--- a/Concept Presentatie.pptx
+++ b/Concept Presentatie.pptx
@@ -6,6 +6,13 @@
   </p:sldMasterIdLst>
   <p:sldIdLst>
     <p:sldId id="256" r:id="rId2"/>
+    <p:sldId id="257" r:id="rId3"/>
+    <p:sldId id="258" r:id="rId4"/>
+    <p:sldId id="259" r:id="rId5"/>
+    <p:sldId id="260" r:id="rId6"/>
+    <p:sldId id="261" r:id="rId7"/>
+    <p:sldId id="262" r:id="rId8"/>
+    <p:sldId id="263" r:id="rId9"/>
   </p:sldIdLst>
   <p:sldSz cx="9144000" cy="6858000" type="screen4x3"/>
   <p:notesSz cx="6858000" cy="9144000"/>
@@ -288,7 +295,7 @@
           <a:p>
             <a:fld id="{B7EB9C10-4C90-4659-BF2A-C1F666EA0DCC}" type="datetimeFigureOut">
               <a:rPr lang="nl-NL" smtClean="0"/>
-              <a:t>10-9-2018</a:t>
+              <a:t>11-9-2018</a:t>
             </a:fld>
             <a:endParaRPr lang="nl-NL"/>
           </a:p>
@@ -458,7 +465,7 @@
           <a:p>
             <a:fld id="{B7EB9C10-4C90-4659-BF2A-C1F666EA0DCC}" type="datetimeFigureOut">
               <a:rPr lang="nl-NL" smtClean="0"/>
-              <a:t>10-9-2018</a:t>
+              <a:t>11-9-2018</a:t>
             </a:fld>
             <a:endParaRPr lang="nl-NL"/>
           </a:p>
@@ -638,7 +645,7 @@
           <a:p>
             <a:fld id="{B7EB9C10-4C90-4659-BF2A-C1F666EA0DCC}" type="datetimeFigureOut">
               <a:rPr lang="nl-NL" smtClean="0"/>
-              <a:t>10-9-2018</a:t>
+              <a:t>11-9-2018</a:t>
             </a:fld>
             <a:endParaRPr lang="nl-NL"/>
           </a:p>
@@ -808,7 +815,7 @@
           <a:p>
             <a:fld id="{B7EB9C10-4C90-4659-BF2A-C1F666EA0DCC}" type="datetimeFigureOut">
               <a:rPr lang="nl-NL" smtClean="0"/>
-              <a:t>10-9-2018</a:t>
+              <a:t>11-9-2018</a:t>
             </a:fld>
             <a:endParaRPr lang="nl-NL"/>
           </a:p>
@@ -1054,7 +1061,7 @@
           <a:p>
             <a:fld id="{B7EB9C10-4C90-4659-BF2A-C1F666EA0DCC}" type="datetimeFigureOut">
               <a:rPr lang="nl-NL" smtClean="0"/>
-              <a:t>10-9-2018</a:t>
+              <a:t>11-9-2018</a:t>
             </a:fld>
             <a:endParaRPr lang="nl-NL"/>
           </a:p>
@@ -1342,7 +1349,7 @@
           <a:p>
             <a:fld id="{B7EB9C10-4C90-4659-BF2A-C1F666EA0DCC}" type="datetimeFigureOut">
               <a:rPr lang="nl-NL" smtClean="0"/>
-              <a:t>10-9-2018</a:t>
+              <a:t>11-9-2018</a:t>
             </a:fld>
             <a:endParaRPr lang="nl-NL"/>
           </a:p>
@@ -1764,7 +1771,7 @@
           <a:p>
             <a:fld id="{B7EB9C10-4C90-4659-BF2A-C1F666EA0DCC}" type="datetimeFigureOut">
               <a:rPr lang="nl-NL" smtClean="0"/>
-              <a:t>10-9-2018</a:t>
+              <a:t>11-9-2018</a:t>
             </a:fld>
             <a:endParaRPr lang="nl-NL"/>
           </a:p>
@@ -1882,7 +1889,7 @@
           <a:p>
             <a:fld id="{B7EB9C10-4C90-4659-BF2A-C1F666EA0DCC}" type="datetimeFigureOut">
               <a:rPr lang="nl-NL" smtClean="0"/>
-              <a:t>10-9-2018</a:t>
+              <a:t>11-9-2018</a:t>
             </a:fld>
             <a:endParaRPr lang="nl-NL"/>
           </a:p>
@@ -1977,7 +1984,7 @@
           <a:p>
             <a:fld id="{B7EB9C10-4C90-4659-BF2A-C1F666EA0DCC}" type="datetimeFigureOut">
               <a:rPr lang="nl-NL" smtClean="0"/>
-              <a:t>10-9-2018</a:t>
+              <a:t>11-9-2018</a:t>
             </a:fld>
             <a:endParaRPr lang="nl-NL"/>
           </a:p>
@@ -2254,7 +2261,7 @@
           <a:p>
             <a:fld id="{B7EB9C10-4C90-4659-BF2A-C1F666EA0DCC}" type="datetimeFigureOut">
               <a:rPr lang="nl-NL" smtClean="0"/>
-              <a:t>10-9-2018</a:t>
+              <a:t>11-9-2018</a:t>
             </a:fld>
             <a:endParaRPr lang="nl-NL"/>
           </a:p>
@@ -2507,7 +2514,7 @@
           <a:p>
             <a:fld id="{B7EB9C10-4C90-4659-BF2A-C1F666EA0DCC}" type="datetimeFigureOut">
               <a:rPr lang="nl-NL" smtClean="0"/>
-              <a:t>10-9-2018</a:t>
+              <a:t>11-9-2018</a:t>
             </a:fld>
             <a:endParaRPr lang="nl-NL"/>
           </a:p>
@@ -2729,7 +2736,7 @@
           <a:p>
             <a:fld id="{B7EB9C10-4C90-4659-BF2A-C1F666EA0DCC}" type="datetimeFigureOut">
               <a:rPr lang="nl-NL" smtClean="0"/>
-              <a:t>10-9-2018</a:t>
+              <a:t>11-9-2018</a:t>
             </a:fld>
             <a:endParaRPr lang="nl-NL"/>
           </a:p>
@@ -3205,7 +3212,7 @@
                     <a:lumOff val="80000"/>
                   </a:schemeClr>
                 </a:solidFill>
-                <a:latin typeface="Old English Text MT" panose="03040902040508030806" pitchFamily="66" charset="0"/>
+                <a:latin typeface="Script MT Bold" panose="03040602040607080904" pitchFamily="66" charset="0"/>
               </a:rPr>
               <a:t>By</a:t>
             </a:r>
@@ -3217,7 +3224,7 @@
                     <a:lumOff val="80000"/>
                   </a:schemeClr>
                 </a:solidFill>
-                <a:latin typeface="Old English Text MT" panose="03040902040508030806" pitchFamily="66" charset="0"/>
+                <a:latin typeface="Script MT Bold" panose="03040602040607080904" pitchFamily="66" charset="0"/>
               </a:rPr>
               <a:t>:</a:t>
             </a:r>
@@ -3232,7 +3239,7 @@
                     <a:lumOff val="80000"/>
                   </a:schemeClr>
                 </a:solidFill>
-                <a:latin typeface="Old English Text MT" panose="03040902040508030806" pitchFamily="66" charset="0"/>
+                <a:latin typeface="Script MT Bold" panose="03040602040607080904" pitchFamily="66" charset="0"/>
               </a:rPr>
               <a:t>Frank </a:t>
             </a:r>
@@ -3244,7 +3251,7 @@
                     <a:lumOff val="80000"/>
                   </a:schemeClr>
                 </a:solidFill>
-                <a:latin typeface="Old English Text MT" panose="03040902040508030806" pitchFamily="66" charset="0"/>
+                <a:latin typeface="Script MT Bold" panose="03040602040607080904" pitchFamily="66" charset="0"/>
               </a:rPr>
               <a:t>Boshoff</a:t>
             </a:r>
@@ -3255,32 +3262,23 @@
                   <a:lumOff val="80000"/>
                 </a:schemeClr>
               </a:solidFill>
-              <a:latin typeface="Old English Text MT" panose="03040902040508030806" pitchFamily="66" charset="0"/>
+              <a:latin typeface="Script MT Bold" panose="03040602040607080904" pitchFamily="66" charset="0"/>
             </a:endParaRPr>
           </a:p>
           <a:p>
             <a:pPr algn="l"/>
             <a:r>
-              <a:rPr lang="nl-NL" smtClean="0">
-                <a:solidFill>
-                  <a:schemeClr val="tx2">
-                    <a:lumMod val="20000"/>
-                    <a:lumOff val="80000"/>
-                  </a:schemeClr>
-                </a:solidFill>
-                <a:latin typeface="Old English Text MT" panose="03040902040508030806" pitchFamily="66" charset="0"/>
+              <a:rPr lang="nl-NL" dirty="0" smtClean="0">
+                <a:solidFill>
+                  <a:schemeClr val="tx2">
+                    <a:lumMod val="20000"/>
+                    <a:lumOff val="80000"/>
+                  </a:schemeClr>
+                </a:solidFill>
+                <a:latin typeface="Script MT Bold" panose="03040602040607080904" pitchFamily="66" charset="0"/>
               </a:rPr>
               <a:t>Jorrit Kornelis</a:t>
             </a:r>
-            <a:endParaRPr lang="nl-NL" dirty="0" smtClean="0">
-              <a:solidFill>
-                <a:schemeClr val="tx2">
-                  <a:lumMod val="20000"/>
-                  <a:lumOff val="80000"/>
-                </a:schemeClr>
-              </a:solidFill>
-              <a:latin typeface="Old English Text MT" panose="03040902040508030806" pitchFamily="66" charset="0"/>
-            </a:endParaRPr>
           </a:p>
           <a:p>
             <a:pPr algn="l"/>
@@ -3292,7 +3290,7 @@
                     <a:lumOff val="80000"/>
                   </a:schemeClr>
                 </a:solidFill>
-                <a:latin typeface="Old English Text MT" panose="03040902040508030806" pitchFamily="66" charset="0"/>
+                <a:latin typeface="Script MT Bold" panose="03040602040607080904" pitchFamily="66" charset="0"/>
               </a:rPr>
               <a:t>Daniël </a:t>
             </a:r>
@@ -3304,7 +3302,7 @@
                     <a:lumOff val="80000"/>
                   </a:schemeClr>
                 </a:solidFill>
-                <a:latin typeface="Old English Text MT" panose="03040902040508030806" pitchFamily="66" charset="0"/>
+                <a:latin typeface="Script MT Bold" panose="03040602040607080904" pitchFamily="66" charset="0"/>
               </a:rPr>
               <a:t>Stremmelaar</a:t>
             </a:r>
@@ -3315,7 +3313,7 @@
                   <a:lumOff val="80000"/>
                 </a:schemeClr>
               </a:solidFill>
-              <a:latin typeface="Old English Text MT" panose="03040902040508030806" pitchFamily="66" charset="0"/>
+              <a:latin typeface="Script MT Bold" panose="03040602040607080904" pitchFamily="66" charset="0"/>
             </a:endParaRPr>
           </a:p>
         </p:txBody>
@@ -3330,6 +3328,1759 @@
   <p:clrMapOvr>
     <a:masterClrMapping/>
   </p:clrMapOvr>
+  <p:timing>
+    <p:tnLst>
+      <p:par>
+        <p:cTn id="1" dur="indefinite" restart="never" nodeType="tmRoot"/>
+      </p:par>
+    </p:tnLst>
+  </p:timing>
+</p:sld>
+</file>
+
+<file path=ppt/slides/slide2.xml><?xml version="1.0" encoding="utf-8"?>
+<p:sld xmlns:a="http://schemas.openxmlformats.org/drawingml/2006/main" xmlns:r="http://schemas.openxmlformats.org/officeDocument/2006/relationships" xmlns:p="http://schemas.openxmlformats.org/presentationml/2006/main">
+  <p:cSld>
+    <p:spTree>
+      <p:nvGrpSpPr>
+        <p:cNvPr id="1" name=""/>
+        <p:cNvGrpSpPr/>
+        <p:nvPr/>
+      </p:nvGrpSpPr>
+      <p:grpSpPr>
+        <a:xfrm>
+          <a:off x="0" y="0"/>
+          <a:ext cx="0" cy="0"/>
+          <a:chOff x="0" y="0"/>
+          <a:chExt cx="0" cy="0"/>
+        </a:xfrm>
+      </p:grpSpPr>
+      <p:sp>
+        <p:nvSpPr>
+          <p:cNvPr id="2" name="Titel 1"/>
+          <p:cNvSpPr>
+            <a:spLocks noGrp="1"/>
+          </p:cNvSpPr>
+          <p:nvPr>
+            <p:ph type="title"/>
+          </p:nvPr>
+        </p:nvSpPr>
+        <p:spPr/>
+        <p:txBody>
+          <a:bodyPr>
+            <a:normAutofit/>
+          </a:bodyPr>
+          <a:lstStyle/>
+          <a:p>
+            <a:r>
+              <a:rPr lang="nl-NL" sz="6600" i="1" dirty="0" smtClean="0">
+                <a:solidFill>
+                  <a:schemeClr val="tx2">
+                    <a:lumMod val="20000"/>
+                    <a:lumOff val="80000"/>
+                  </a:schemeClr>
+                </a:solidFill>
+                <a:latin typeface="Old English Text MT" panose="03040902040508030806" pitchFamily="66" charset="0"/>
+              </a:rPr>
+              <a:t>Inhoud</a:t>
+            </a:r>
+            <a:endParaRPr lang="nl-NL" sz="6600" i="1" dirty="0">
+              <a:solidFill>
+                <a:schemeClr val="tx2">
+                  <a:lumMod val="20000"/>
+                  <a:lumOff val="80000"/>
+                </a:schemeClr>
+              </a:solidFill>
+              <a:latin typeface="Old English Text MT" panose="03040902040508030806" pitchFamily="66" charset="0"/>
+            </a:endParaRPr>
+          </a:p>
+        </p:txBody>
+      </p:sp>
+      <p:sp>
+        <p:nvSpPr>
+          <p:cNvPr id="3" name="Tijdelijke aanduiding voor inhoud 2"/>
+          <p:cNvSpPr>
+            <a:spLocks noGrp="1"/>
+          </p:cNvSpPr>
+          <p:nvPr>
+            <p:ph idx="1"/>
+          </p:nvPr>
+        </p:nvSpPr>
+        <p:spPr/>
+        <p:txBody>
+          <a:bodyPr>
+            <a:normAutofit/>
+          </a:bodyPr>
+          <a:lstStyle/>
+          <a:p>
+            <a:r>
+              <a:rPr lang="nl-NL" dirty="0">
+                <a:solidFill>
+                  <a:schemeClr val="tx2">
+                    <a:lumMod val="20000"/>
+                    <a:lumOff val="80000"/>
+                  </a:schemeClr>
+                </a:solidFill>
+                <a:latin typeface="Script MT Bold" panose="03040602040607080904" pitchFamily="66" charset="0"/>
+              </a:rPr>
+              <a:t>Rolverdeling</a:t>
+            </a:r>
+          </a:p>
+          <a:p>
+            <a:r>
+              <a:rPr lang="nl-NL" dirty="0">
+                <a:solidFill>
+                  <a:schemeClr val="tx2">
+                    <a:lumMod val="20000"/>
+                    <a:lumOff val="80000"/>
+                  </a:schemeClr>
+                </a:solidFill>
+                <a:latin typeface="Script MT Bold" panose="03040602040607080904" pitchFamily="66" charset="0"/>
+              </a:rPr>
+              <a:t>Game</a:t>
+            </a:r>
+            <a:r>
+              <a:rPr lang="nl-NL" dirty="0" smtClean="0">
+                <a:solidFill>
+                  <a:schemeClr val="tx2">
+                    <a:lumMod val="20000"/>
+                    <a:lumOff val="80000"/>
+                  </a:schemeClr>
+                </a:solidFill>
+                <a:latin typeface="Old English Text MT" panose="03040902040508030806" pitchFamily="66" charset="0"/>
+              </a:rPr>
+              <a:t> concept</a:t>
+            </a:r>
+            <a:endParaRPr lang="nl-NL" dirty="0">
+              <a:solidFill>
+                <a:schemeClr val="tx2">
+                  <a:lumMod val="20000"/>
+                  <a:lumOff val="80000"/>
+                </a:schemeClr>
+              </a:solidFill>
+              <a:latin typeface="Old English Text MT" panose="03040902040508030806" pitchFamily="66" charset="0"/>
+            </a:endParaRPr>
+          </a:p>
+          <a:p>
+            <a:r>
+              <a:rPr lang="nl-NL" dirty="0" err="1">
+                <a:solidFill>
+                  <a:schemeClr val="tx2">
+                    <a:lumMod val="20000"/>
+                    <a:lumOff val="80000"/>
+                  </a:schemeClr>
+                </a:solidFill>
+                <a:latin typeface="Script MT Bold" panose="03040602040607080904" pitchFamily="66" charset="0"/>
+              </a:rPr>
+              <a:t>Mechanics</a:t>
+            </a:r>
+            <a:endParaRPr lang="nl-NL" dirty="0">
+              <a:solidFill>
+                <a:schemeClr val="tx2">
+                  <a:lumMod val="20000"/>
+                  <a:lumOff val="80000"/>
+                </a:schemeClr>
+              </a:solidFill>
+              <a:latin typeface="Script MT Bold" panose="03040602040607080904" pitchFamily="66" charset="0"/>
+            </a:endParaRPr>
+          </a:p>
+          <a:p>
+            <a:r>
+              <a:rPr lang="nl-NL" dirty="0">
+                <a:solidFill>
+                  <a:schemeClr val="tx2">
+                    <a:lumMod val="20000"/>
+                    <a:lumOff val="80000"/>
+                  </a:schemeClr>
+                </a:solidFill>
+                <a:latin typeface="Script MT Bold" panose="03040602040607080904" pitchFamily="66" charset="0"/>
+              </a:rPr>
+              <a:t>Art</a:t>
+            </a:r>
+            <a:r>
+              <a:rPr lang="nl-NL" dirty="0" smtClean="0">
+                <a:solidFill>
+                  <a:schemeClr val="tx2">
+                    <a:lumMod val="20000"/>
+                    <a:lumOff val="80000"/>
+                  </a:schemeClr>
+                </a:solidFill>
+                <a:latin typeface="Old English Text MT" panose="03040902040508030806" pitchFamily="66" charset="0"/>
+              </a:rPr>
+              <a:t> </a:t>
+            </a:r>
+            <a:r>
+              <a:rPr lang="nl-NL" dirty="0" err="1" smtClean="0">
+                <a:solidFill>
+                  <a:schemeClr val="tx2">
+                    <a:lumMod val="20000"/>
+                    <a:lumOff val="80000"/>
+                  </a:schemeClr>
+                </a:solidFill>
+                <a:latin typeface="Old English Text MT" panose="03040902040508030806" pitchFamily="66" charset="0"/>
+              </a:rPr>
+              <a:t>direction</a:t>
+            </a:r>
+            <a:endParaRPr lang="nl-NL" dirty="0" smtClean="0">
+              <a:solidFill>
+                <a:schemeClr val="tx2">
+                  <a:lumMod val="20000"/>
+                  <a:lumOff val="80000"/>
+                </a:schemeClr>
+              </a:solidFill>
+              <a:latin typeface="Old English Text MT" panose="03040902040508030806" pitchFamily="66" charset="0"/>
+            </a:endParaRPr>
+          </a:p>
+          <a:p>
+            <a:r>
+              <a:rPr lang="nl-NL" dirty="0">
+                <a:solidFill>
+                  <a:schemeClr val="tx2">
+                    <a:lumMod val="20000"/>
+                    <a:lumOff val="80000"/>
+                  </a:schemeClr>
+                </a:solidFill>
+                <a:latin typeface="Script MT Bold" panose="03040602040607080904" pitchFamily="66" charset="0"/>
+              </a:rPr>
+              <a:t>User</a:t>
+            </a:r>
+            <a:r>
+              <a:rPr lang="nl-NL" dirty="0" smtClean="0">
+                <a:solidFill>
+                  <a:schemeClr val="tx2">
+                    <a:lumMod val="20000"/>
+                    <a:lumOff val="80000"/>
+                  </a:schemeClr>
+                </a:solidFill>
+                <a:latin typeface="Old English Text MT" panose="03040902040508030806" pitchFamily="66" charset="0"/>
+              </a:rPr>
+              <a:t> </a:t>
+            </a:r>
+            <a:r>
+              <a:rPr lang="nl-NL" dirty="0" err="1" smtClean="0">
+                <a:solidFill>
+                  <a:schemeClr val="tx2">
+                    <a:lumMod val="20000"/>
+                    <a:lumOff val="80000"/>
+                  </a:schemeClr>
+                </a:solidFill>
+                <a:latin typeface="Old English Text MT" panose="03040902040508030806" pitchFamily="66" charset="0"/>
+              </a:rPr>
+              <a:t>experience</a:t>
+            </a:r>
+            <a:endParaRPr lang="nl-NL" dirty="0" smtClean="0">
+              <a:solidFill>
+                <a:schemeClr val="tx2">
+                  <a:lumMod val="20000"/>
+                  <a:lumOff val="80000"/>
+                </a:schemeClr>
+              </a:solidFill>
+              <a:latin typeface="Old English Text MT" panose="03040902040508030806" pitchFamily="66" charset="0"/>
+            </a:endParaRPr>
+          </a:p>
+          <a:p>
+            <a:r>
+              <a:rPr lang="nl-NL" dirty="0">
+                <a:solidFill>
+                  <a:schemeClr val="tx2">
+                    <a:lumMod val="20000"/>
+                    <a:lumOff val="80000"/>
+                  </a:schemeClr>
+                </a:solidFill>
+                <a:latin typeface="Script MT Bold" panose="03040602040607080904" pitchFamily="66" charset="0"/>
+              </a:rPr>
+              <a:t>Vragen</a:t>
+            </a:r>
+            <a:endParaRPr lang="nl-NL" dirty="0">
+              <a:solidFill>
+                <a:schemeClr val="tx2">
+                  <a:lumMod val="20000"/>
+                  <a:lumOff val="80000"/>
+                </a:schemeClr>
+              </a:solidFill>
+              <a:latin typeface="Script MT Bold" panose="03040602040607080904" pitchFamily="66" charset="0"/>
+            </a:endParaRPr>
+          </a:p>
+        </p:txBody>
+      </p:sp>
+    </p:spTree>
+    <p:extLst>
+      <p:ext uri="{BB962C8B-B14F-4D97-AF65-F5344CB8AC3E}">
+        <p14:creationId xmlns:p14="http://schemas.microsoft.com/office/powerpoint/2010/main" val="2874564472"/>
+      </p:ext>
+    </p:extLst>
+  </p:cSld>
+  <p:clrMapOvr>
+    <a:masterClrMapping/>
+  </p:clrMapOvr>
+  <p:timing>
+    <p:tnLst>
+      <p:par>
+        <p:cTn id="1" dur="indefinite" restart="never" nodeType="tmRoot"/>
+      </p:par>
+    </p:tnLst>
+  </p:timing>
+</p:sld>
+</file>
+
+<file path=ppt/slides/slide3.xml><?xml version="1.0" encoding="utf-8"?>
+<p:sld xmlns:a="http://schemas.openxmlformats.org/drawingml/2006/main" xmlns:r="http://schemas.openxmlformats.org/officeDocument/2006/relationships" xmlns:p="http://schemas.openxmlformats.org/presentationml/2006/main">
+  <p:cSld>
+    <p:spTree>
+      <p:nvGrpSpPr>
+        <p:cNvPr id="1" name=""/>
+        <p:cNvGrpSpPr/>
+        <p:nvPr/>
+      </p:nvGrpSpPr>
+      <p:grpSpPr>
+        <a:xfrm>
+          <a:off x="0" y="0"/>
+          <a:ext cx="0" cy="0"/>
+          <a:chOff x="0" y="0"/>
+          <a:chExt cx="0" cy="0"/>
+        </a:xfrm>
+      </p:grpSpPr>
+      <p:sp>
+        <p:nvSpPr>
+          <p:cNvPr id="2" name="Titel 1"/>
+          <p:cNvSpPr>
+            <a:spLocks noGrp="1"/>
+          </p:cNvSpPr>
+          <p:nvPr>
+            <p:ph type="title"/>
+          </p:nvPr>
+        </p:nvSpPr>
+        <p:spPr/>
+        <p:txBody>
+          <a:bodyPr>
+            <a:normAutofit/>
+          </a:bodyPr>
+          <a:lstStyle/>
+          <a:p>
+            <a:r>
+              <a:rPr lang="nl-NL" sz="6600" i="1" dirty="0" smtClean="0">
+                <a:solidFill>
+                  <a:schemeClr val="tx2">
+                    <a:lumMod val="20000"/>
+                    <a:lumOff val="80000"/>
+                  </a:schemeClr>
+                </a:solidFill>
+                <a:latin typeface="Old English Text MT" panose="03040902040508030806" pitchFamily="66" charset="0"/>
+              </a:rPr>
+              <a:t>Rolverdeling</a:t>
+            </a:r>
+            <a:endParaRPr lang="nl-NL" sz="6600" i="1" dirty="0">
+              <a:solidFill>
+                <a:schemeClr val="tx2">
+                  <a:lumMod val="20000"/>
+                  <a:lumOff val="80000"/>
+                </a:schemeClr>
+              </a:solidFill>
+              <a:latin typeface="Old English Text MT" panose="03040902040508030806" pitchFamily="66" charset="0"/>
+            </a:endParaRPr>
+          </a:p>
+        </p:txBody>
+      </p:sp>
+      <p:sp>
+        <p:nvSpPr>
+          <p:cNvPr id="3" name="Tijdelijke aanduiding voor inhoud 2"/>
+          <p:cNvSpPr>
+            <a:spLocks noGrp="1"/>
+          </p:cNvSpPr>
+          <p:nvPr>
+            <p:ph idx="1"/>
+          </p:nvPr>
+        </p:nvSpPr>
+        <p:spPr/>
+        <p:txBody>
+          <a:bodyPr>
+            <a:normAutofit/>
+          </a:bodyPr>
+          <a:lstStyle/>
+          <a:p>
+            <a:r>
+              <a:rPr lang="nl-NL" dirty="0" smtClean="0">
+                <a:solidFill>
+                  <a:schemeClr val="tx2">
+                    <a:lumMod val="20000"/>
+                    <a:lumOff val="80000"/>
+                  </a:schemeClr>
+                </a:solidFill>
+                <a:latin typeface="Script MT Bold" panose="03040602040607080904" pitchFamily="66" charset="0"/>
+              </a:rPr>
+              <a:t>Frank </a:t>
+            </a:r>
+            <a:r>
+              <a:rPr lang="nl-NL" dirty="0" err="1" smtClean="0">
+                <a:solidFill>
+                  <a:schemeClr val="tx2">
+                    <a:lumMod val="20000"/>
+                    <a:lumOff val="80000"/>
+                  </a:schemeClr>
+                </a:solidFill>
+                <a:latin typeface="Script MT Bold" panose="03040602040607080904" pitchFamily="66" charset="0"/>
+              </a:rPr>
+              <a:t>Boshoff</a:t>
+            </a:r>
+            <a:r>
+              <a:rPr lang="nl-NL" dirty="0" smtClean="0">
+                <a:solidFill>
+                  <a:schemeClr val="tx2">
+                    <a:lumMod val="20000"/>
+                    <a:lumOff val="80000"/>
+                  </a:schemeClr>
+                </a:solidFill>
+                <a:latin typeface="Script MT Bold" panose="03040602040607080904" pitchFamily="66" charset="0"/>
+              </a:rPr>
+              <a:t> - Producer (Art)</a:t>
+            </a:r>
+          </a:p>
+          <a:p>
+            <a:r>
+              <a:rPr lang="nl-NL" dirty="0" smtClean="0">
+                <a:solidFill>
+                  <a:schemeClr val="tx2">
+                    <a:lumMod val="20000"/>
+                    <a:lumOff val="80000"/>
+                  </a:schemeClr>
+                </a:solidFill>
+                <a:latin typeface="Script MT Bold" panose="03040602040607080904" pitchFamily="66" charset="0"/>
+              </a:rPr>
+              <a:t>Jorrit Kornelis- User </a:t>
+            </a:r>
+            <a:r>
+              <a:rPr lang="nl-NL" dirty="0" err="1" smtClean="0">
+                <a:solidFill>
+                  <a:schemeClr val="tx2">
+                    <a:lumMod val="20000"/>
+                    <a:lumOff val="80000"/>
+                  </a:schemeClr>
+                </a:solidFill>
+                <a:latin typeface="Script MT Bold" panose="03040602040607080904" pitchFamily="66" charset="0"/>
+              </a:rPr>
+              <a:t>Experience</a:t>
+            </a:r>
+            <a:endParaRPr lang="nl-NL" dirty="0" smtClean="0">
+              <a:solidFill>
+                <a:schemeClr val="tx2">
+                  <a:lumMod val="20000"/>
+                  <a:lumOff val="80000"/>
+                </a:schemeClr>
+              </a:solidFill>
+              <a:latin typeface="Script MT Bold" panose="03040602040607080904" pitchFamily="66" charset="0"/>
+            </a:endParaRPr>
+          </a:p>
+          <a:p>
+            <a:r>
+              <a:rPr lang="nl-NL" dirty="0" smtClean="0">
+                <a:solidFill>
+                  <a:schemeClr val="tx2">
+                    <a:lumMod val="20000"/>
+                    <a:lumOff val="80000"/>
+                  </a:schemeClr>
+                </a:solidFill>
+                <a:latin typeface="Script MT Bold" panose="03040602040607080904" pitchFamily="66" charset="0"/>
+              </a:rPr>
+              <a:t>Daniël </a:t>
+            </a:r>
+            <a:r>
+              <a:rPr lang="nl-NL" dirty="0" err="1" smtClean="0">
+                <a:solidFill>
+                  <a:schemeClr val="tx2">
+                    <a:lumMod val="20000"/>
+                    <a:lumOff val="80000"/>
+                  </a:schemeClr>
+                </a:solidFill>
+                <a:latin typeface="Script MT Bold" panose="03040602040607080904" pitchFamily="66" charset="0"/>
+              </a:rPr>
+              <a:t>Stremmelaar</a:t>
+            </a:r>
+            <a:r>
+              <a:rPr lang="nl-NL" dirty="0" smtClean="0">
+                <a:solidFill>
+                  <a:schemeClr val="tx2">
+                    <a:lumMod val="20000"/>
+                    <a:lumOff val="80000"/>
+                  </a:schemeClr>
+                </a:solidFill>
+                <a:latin typeface="Script MT Bold" panose="03040602040607080904" pitchFamily="66" charset="0"/>
+              </a:rPr>
+              <a:t> - Scrummaster</a:t>
+            </a:r>
+            <a:endParaRPr lang="nl-NL" dirty="0">
+              <a:solidFill>
+                <a:schemeClr val="tx2">
+                  <a:lumMod val="20000"/>
+                  <a:lumOff val="80000"/>
+                </a:schemeClr>
+              </a:solidFill>
+              <a:latin typeface="Script MT Bold" panose="03040602040607080904" pitchFamily="66" charset="0"/>
+            </a:endParaRPr>
+          </a:p>
+        </p:txBody>
+      </p:sp>
+    </p:spTree>
+    <p:extLst>
+      <p:ext uri="{BB962C8B-B14F-4D97-AF65-F5344CB8AC3E}">
+        <p14:creationId xmlns:p14="http://schemas.microsoft.com/office/powerpoint/2010/main" val="1289013098"/>
+      </p:ext>
+    </p:extLst>
+  </p:cSld>
+  <p:clrMapOvr>
+    <a:masterClrMapping/>
+  </p:clrMapOvr>
+  <p:timing>
+    <p:tnLst>
+      <p:par>
+        <p:cTn id="1" dur="indefinite" restart="never" nodeType="tmRoot"/>
+      </p:par>
+    </p:tnLst>
+  </p:timing>
+</p:sld>
+</file>
+
+<file path=ppt/slides/slide4.xml><?xml version="1.0" encoding="utf-8"?>
+<p:sld xmlns:a="http://schemas.openxmlformats.org/drawingml/2006/main" xmlns:r="http://schemas.openxmlformats.org/officeDocument/2006/relationships" xmlns:p="http://schemas.openxmlformats.org/presentationml/2006/main">
+  <p:cSld>
+    <p:bg>
+      <p:bgPr>
+        <a:blipFill dpi="0" rotWithShape="1">
+          <a:blip r:embed="rId3">
+            <a:lum/>
+          </a:blip>
+          <a:srcRect/>
+          <a:stretch>
+            <a:fillRect l="-24000" r="-24000"/>
+          </a:stretch>
+        </a:blipFill>
+        <a:effectLst/>
+      </p:bgPr>
+    </p:bg>
+    <p:spTree>
+      <p:nvGrpSpPr>
+        <p:cNvPr id="1" name=""/>
+        <p:cNvGrpSpPr/>
+        <p:nvPr/>
+      </p:nvGrpSpPr>
+      <p:grpSpPr>
+        <a:xfrm>
+          <a:off x="0" y="0"/>
+          <a:ext cx="0" cy="0"/>
+          <a:chOff x="0" y="0"/>
+          <a:chExt cx="0" cy="0"/>
+        </a:xfrm>
+      </p:grpSpPr>
+      <p:sp>
+        <p:nvSpPr>
+          <p:cNvPr id="2" name="Titel 1"/>
+          <p:cNvSpPr>
+            <a:spLocks noGrp="1"/>
+          </p:cNvSpPr>
+          <p:nvPr>
+            <p:ph type="title"/>
+          </p:nvPr>
+        </p:nvSpPr>
+        <p:spPr/>
+        <p:txBody>
+          <a:bodyPr>
+            <a:normAutofit/>
+          </a:bodyPr>
+          <a:lstStyle/>
+          <a:p>
+            <a:r>
+              <a:rPr lang="nl-NL" sz="6600" i="1" dirty="0" smtClean="0">
+                <a:solidFill>
+                  <a:schemeClr val="tx2">
+                    <a:lumMod val="20000"/>
+                    <a:lumOff val="80000"/>
+                  </a:schemeClr>
+                </a:solidFill>
+                <a:latin typeface="Old English Text MT" panose="03040902040508030806" pitchFamily="66" charset="0"/>
+              </a:rPr>
+              <a:t>Game Concept</a:t>
+            </a:r>
+            <a:endParaRPr lang="nl-NL" sz="6600" i="1" dirty="0">
+              <a:solidFill>
+                <a:schemeClr val="tx2">
+                  <a:lumMod val="20000"/>
+                  <a:lumOff val="80000"/>
+                </a:schemeClr>
+              </a:solidFill>
+              <a:latin typeface="Old English Text MT" panose="03040902040508030806" pitchFamily="66" charset="0"/>
+            </a:endParaRPr>
+          </a:p>
+        </p:txBody>
+      </p:sp>
+      <p:sp>
+        <p:nvSpPr>
+          <p:cNvPr id="3" name="Tijdelijke aanduiding voor inhoud 2"/>
+          <p:cNvSpPr>
+            <a:spLocks noGrp="1"/>
+          </p:cNvSpPr>
+          <p:nvPr>
+            <p:ph idx="1"/>
+          </p:nvPr>
+        </p:nvSpPr>
+        <p:spPr/>
+        <p:txBody>
+          <a:bodyPr>
+            <a:normAutofit/>
+          </a:bodyPr>
+          <a:lstStyle/>
+          <a:p>
+            <a:r>
+              <a:rPr lang="nl-NL" dirty="0" err="1" smtClean="0">
+                <a:solidFill>
+                  <a:schemeClr val="tx2">
+                    <a:lumMod val="20000"/>
+                    <a:lumOff val="80000"/>
+                  </a:schemeClr>
+                </a:solidFill>
+                <a:latin typeface="Script MT Bold" panose="03040602040607080904" pitchFamily="66" charset="0"/>
+              </a:rPr>
+              <a:t>Tower</a:t>
+            </a:r>
+            <a:r>
+              <a:rPr lang="nl-NL" dirty="0" smtClean="0">
+                <a:solidFill>
+                  <a:schemeClr val="tx2">
+                    <a:lumMod val="20000"/>
+                    <a:lumOff val="80000"/>
+                  </a:schemeClr>
+                </a:solidFill>
+                <a:latin typeface="Script MT Bold" panose="03040602040607080904" pitchFamily="66" charset="0"/>
+              </a:rPr>
+              <a:t> </a:t>
+            </a:r>
+            <a:r>
+              <a:rPr lang="nl-NL" dirty="0" err="1" smtClean="0">
+                <a:solidFill>
+                  <a:schemeClr val="tx2">
+                    <a:lumMod val="20000"/>
+                    <a:lumOff val="80000"/>
+                  </a:schemeClr>
+                </a:solidFill>
+                <a:latin typeface="Script MT Bold" panose="03040602040607080904" pitchFamily="66" charset="0"/>
+              </a:rPr>
+              <a:t>defense</a:t>
+            </a:r>
+            <a:endParaRPr lang="nl-NL" dirty="0" smtClean="0">
+              <a:solidFill>
+                <a:schemeClr val="tx2">
+                  <a:lumMod val="20000"/>
+                  <a:lumOff val="80000"/>
+                </a:schemeClr>
+              </a:solidFill>
+              <a:latin typeface="Script MT Bold" panose="03040602040607080904" pitchFamily="66" charset="0"/>
+            </a:endParaRPr>
+          </a:p>
+          <a:p>
+            <a:r>
+              <a:rPr lang="nl-NL" dirty="0" err="1" smtClean="0">
+                <a:solidFill>
+                  <a:schemeClr val="tx2">
+                    <a:lumMod val="20000"/>
+                    <a:lumOff val="80000"/>
+                  </a:schemeClr>
+                </a:solidFill>
+                <a:latin typeface="Script MT Bold" panose="03040602040607080904" pitchFamily="66" charset="0"/>
+              </a:rPr>
+              <a:t>Medieval</a:t>
+            </a:r>
+            <a:r>
+              <a:rPr lang="nl-NL" dirty="0" smtClean="0">
+                <a:solidFill>
+                  <a:schemeClr val="tx2">
+                    <a:lumMod val="20000"/>
+                    <a:lumOff val="80000"/>
+                  </a:schemeClr>
+                </a:solidFill>
+                <a:latin typeface="Script MT Bold" panose="03040602040607080904" pitchFamily="66" charset="0"/>
+              </a:rPr>
+              <a:t> </a:t>
+            </a:r>
+            <a:r>
+              <a:rPr lang="nl-NL" dirty="0" err="1" smtClean="0">
+                <a:solidFill>
+                  <a:schemeClr val="tx2">
+                    <a:lumMod val="20000"/>
+                    <a:lumOff val="80000"/>
+                  </a:schemeClr>
+                </a:solidFill>
+                <a:latin typeface="Script MT Bold" panose="03040602040607080904" pitchFamily="66" charset="0"/>
+              </a:rPr>
+              <a:t>fantasy</a:t>
+            </a:r>
+            <a:endParaRPr lang="nl-NL" dirty="0" smtClean="0">
+              <a:solidFill>
+                <a:schemeClr val="tx2">
+                  <a:lumMod val="20000"/>
+                  <a:lumOff val="80000"/>
+                </a:schemeClr>
+              </a:solidFill>
+              <a:latin typeface="Script MT Bold" panose="03040602040607080904" pitchFamily="66" charset="0"/>
+            </a:endParaRPr>
+          </a:p>
+          <a:p>
+            <a:r>
+              <a:rPr lang="nl-NL" dirty="0" err="1" smtClean="0">
+                <a:solidFill>
+                  <a:schemeClr val="tx2">
+                    <a:lumMod val="20000"/>
+                    <a:lumOff val="80000"/>
+                  </a:schemeClr>
+                </a:solidFill>
+                <a:latin typeface="Script MT Bold" panose="03040602040607080904" pitchFamily="66" charset="0"/>
+              </a:rPr>
+              <a:t>Wizard’s</a:t>
+            </a:r>
+            <a:r>
+              <a:rPr lang="nl-NL" dirty="0" smtClean="0">
+                <a:solidFill>
+                  <a:schemeClr val="tx2">
+                    <a:lumMod val="20000"/>
+                    <a:lumOff val="80000"/>
+                  </a:schemeClr>
+                </a:solidFill>
+                <a:latin typeface="Script MT Bold" panose="03040602040607080904" pitchFamily="66" charset="0"/>
+              </a:rPr>
+              <a:t> Library</a:t>
+            </a:r>
+          </a:p>
+          <a:p>
+            <a:r>
+              <a:rPr lang="nl-NL" dirty="0" smtClean="0">
+                <a:solidFill>
+                  <a:schemeClr val="tx2">
+                    <a:lumMod val="20000"/>
+                    <a:lumOff val="80000"/>
+                  </a:schemeClr>
+                </a:solidFill>
+                <a:latin typeface="Script MT Bold" panose="03040602040607080904" pitchFamily="66" charset="0"/>
+              </a:rPr>
+              <a:t>Story</a:t>
+            </a:r>
+            <a:endParaRPr lang="nl-NL" dirty="0">
+              <a:solidFill>
+                <a:schemeClr val="tx2">
+                  <a:lumMod val="20000"/>
+                  <a:lumOff val="80000"/>
+                </a:schemeClr>
+              </a:solidFill>
+              <a:latin typeface="Script MT Bold" panose="03040602040607080904" pitchFamily="66" charset="0"/>
+            </a:endParaRPr>
+          </a:p>
+        </p:txBody>
+      </p:sp>
+    </p:spTree>
+    <p:extLst>
+      <p:ext uri="{BB962C8B-B14F-4D97-AF65-F5344CB8AC3E}">
+        <p14:creationId xmlns:p14="http://schemas.microsoft.com/office/powerpoint/2010/main" val="1735658704"/>
+      </p:ext>
+    </p:extLst>
+  </p:cSld>
+  <p:clrMapOvr>
+    <a:overrideClrMapping bg1="lt1" tx1="dk1" bg2="lt2" tx2="dk2" accent1="accent1" accent2="accent2" accent3="accent3" accent4="accent4" accent5="accent5" accent6="accent6" hlink="hlink" folHlink="folHlink"/>
+  </p:clrMapOvr>
+  <p:timing>
+    <p:tnLst>
+      <p:par>
+        <p:cTn id="1" dur="indefinite" restart="never" nodeType="tmRoot"/>
+      </p:par>
+    </p:tnLst>
+  </p:timing>
+</p:sld>
+</file>
+
+<file path=ppt/slides/slide5.xml><?xml version="1.0" encoding="utf-8"?>
+<p:sld xmlns:a="http://schemas.openxmlformats.org/drawingml/2006/main" xmlns:r="http://schemas.openxmlformats.org/officeDocument/2006/relationships" xmlns:p="http://schemas.openxmlformats.org/presentationml/2006/main">
+  <p:cSld>
+    <p:spTree>
+      <p:nvGrpSpPr>
+        <p:cNvPr id="1" name=""/>
+        <p:cNvGrpSpPr/>
+        <p:nvPr/>
+      </p:nvGrpSpPr>
+      <p:grpSpPr>
+        <a:xfrm>
+          <a:off x="0" y="0"/>
+          <a:ext cx="0" cy="0"/>
+          <a:chOff x="0" y="0"/>
+          <a:chExt cx="0" cy="0"/>
+        </a:xfrm>
+      </p:grpSpPr>
+      <p:sp>
+        <p:nvSpPr>
+          <p:cNvPr id="2" name="Titel 1"/>
+          <p:cNvSpPr>
+            <a:spLocks noGrp="1"/>
+          </p:cNvSpPr>
+          <p:nvPr>
+            <p:ph type="title"/>
+          </p:nvPr>
+        </p:nvSpPr>
+        <p:spPr/>
+        <p:txBody>
+          <a:bodyPr>
+            <a:normAutofit/>
+          </a:bodyPr>
+          <a:lstStyle/>
+          <a:p>
+            <a:r>
+              <a:rPr lang="nl-NL" sz="6600" i="1" dirty="0" err="1" smtClean="0">
+                <a:solidFill>
+                  <a:schemeClr val="tx2">
+                    <a:lumMod val="20000"/>
+                    <a:lumOff val="80000"/>
+                  </a:schemeClr>
+                </a:solidFill>
+                <a:latin typeface="Old English Text MT" panose="03040902040508030806" pitchFamily="66" charset="0"/>
+              </a:rPr>
+              <a:t>Mechanics</a:t>
+            </a:r>
+            <a:endParaRPr lang="nl-NL" sz="6600" i="1" dirty="0">
+              <a:solidFill>
+                <a:schemeClr val="tx2">
+                  <a:lumMod val="20000"/>
+                  <a:lumOff val="80000"/>
+                </a:schemeClr>
+              </a:solidFill>
+              <a:latin typeface="Old English Text MT" panose="03040902040508030806" pitchFamily="66" charset="0"/>
+            </a:endParaRPr>
+          </a:p>
+        </p:txBody>
+      </p:sp>
+      <p:sp>
+        <p:nvSpPr>
+          <p:cNvPr id="3" name="Tijdelijke aanduiding voor inhoud 2"/>
+          <p:cNvSpPr>
+            <a:spLocks noGrp="1"/>
+          </p:cNvSpPr>
+          <p:nvPr>
+            <p:ph idx="1"/>
+          </p:nvPr>
+        </p:nvSpPr>
+        <p:spPr/>
+        <p:txBody>
+          <a:bodyPr>
+            <a:normAutofit fontScale="92500" lnSpcReduction="10000"/>
+          </a:bodyPr>
+          <a:lstStyle/>
+          <a:p>
+            <a:r>
+              <a:rPr lang="nl-NL" dirty="0" err="1" smtClean="0">
+                <a:solidFill>
+                  <a:schemeClr val="tx2">
+                    <a:lumMod val="20000"/>
+                    <a:lumOff val="80000"/>
+                  </a:schemeClr>
+                </a:solidFill>
+                <a:latin typeface="Script MT Bold" panose="03040602040607080904" pitchFamily="66" charset="0"/>
+              </a:rPr>
+              <a:t>Our</a:t>
+            </a:r>
+            <a:r>
+              <a:rPr lang="nl-NL" dirty="0" smtClean="0">
+                <a:solidFill>
+                  <a:schemeClr val="tx2">
+                    <a:lumMod val="20000"/>
+                    <a:lumOff val="80000"/>
+                  </a:schemeClr>
+                </a:solidFill>
+                <a:latin typeface="Script MT Bold" panose="03040602040607080904" pitchFamily="66" charset="0"/>
+              </a:rPr>
+              <a:t> </a:t>
+            </a:r>
+            <a:r>
+              <a:rPr lang="nl-NL" dirty="0" err="1" smtClean="0">
+                <a:solidFill>
+                  <a:schemeClr val="tx2">
+                    <a:lumMod val="20000"/>
+                    <a:lumOff val="80000"/>
+                  </a:schemeClr>
+                </a:solidFill>
+                <a:latin typeface="Script MT Bold" panose="03040602040607080904" pitchFamily="66" charset="0"/>
+              </a:rPr>
+              <a:t>ideas</a:t>
+            </a:r>
+            <a:r>
+              <a:rPr lang="nl-NL" dirty="0" smtClean="0">
+                <a:solidFill>
+                  <a:schemeClr val="tx2">
+                    <a:lumMod val="20000"/>
+                    <a:lumOff val="80000"/>
+                  </a:schemeClr>
+                </a:solidFill>
+                <a:latin typeface="Script MT Bold" panose="03040602040607080904" pitchFamily="66" charset="0"/>
+              </a:rPr>
+              <a:t> </a:t>
+            </a:r>
+            <a:r>
+              <a:rPr lang="nl-NL" dirty="0" err="1" smtClean="0">
+                <a:solidFill>
+                  <a:schemeClr val="tx2">
+                    <a:lumMod val="20000"/>
+                    <a:lumOff val="80000"/>
+                  </a:schemeClr>
+                </a:solidFill>
+                <a:latin typeface="Script MT Bold" panose="03040602040607080904" pitchFamily="66" charset="0"/>
+              </a:rPr>
+              <a:t>for</a:t>
+            </a:r>
+            <a:r>
+              <a:rPr lang="nl-NL" dirty="0" smtClean="0">
+                <a:solidFill>
+                  <a:schemeClr val="tx2">
+                    <a:lumMod val="20000"/>
+                    <a:lumOff val="80000"/>
+                  </a:schemeClr>
+                </a:solidFill>
+                <a:latin typeface="Script MT Bold" panose="03040602040607080904" pitchFamily="66" charset="0"/>
+              </a:rPr>
+              <a:t> </a:t>
+            </a:r>
+            <a:r>
+              <a:rPr lang="nl-NL" dirty="0" err="1" smtClean="0">
+                <a:solidFill>
+                  <a:schemeClr val="tx2">
+                    <a:lumMod val="20000"/>
+                    <a:lumOff val="80000"/>
+                  </a:schemeClr>
+                </a:solidFill>
+                <a:latin typeface="Script MT Bold" panose="03040602040607080904" pitchFamily="66" charset="0"/>
+              </a:rPr>
+              <a:t>towers</a:t>
+            </a:r>
+            <a:r>
+              <a:rPr lang="nl-NL" dirty="0" smtClean="0">
+                <a:solidFill>
+                  <a:schemeClr val="tx2">
+                    <a:lumMod val="20000"/>
+                    <a:lumOff val="80000"/>
+                  </a:schemeClr>
+                </a:solidFill>
+                <a:latin typeface="Script MT Bold" panose="03040602040607080904" pitchFamily="66" charset="0"/>
+              </a:rPr>
+              <a:t> </a:t>
+            </a:r>
+            <a:r>
+              <a:rPr lang="nl-NL" dirty="0" err="1" smtClean="0">
+                <a:solidFill>
+                  <a:schemeClr val="tx2">
+                    <a:lumMod val="20000"/>
+                    <a:lumOff val="80000"/>
+                  </a:schemeClr>
+                </a:solidFill>
+                <a:latin typeface="Script MT Bold" panose="03040602040607080904" pitchFamily="66" charset="0"/>
+              </a:rPr>
+              <a:t>and</a:t>
+            </a:r>
+            <a:r>
+              <a:rPr lang="nl-NL" dirty="0" smtClean="0">
+                <a:solidFill>
+                  <a:schemeClr val="tx2">
+                    <a:lumMod val="20000"/>
+                    <a:lumOff val="80000"/>
+                  </a:schemeClr>
+                </a:solidFill>
+                <a:latin typeface="Script MT Bold" panose="03040602040607080904" pitchFamily="66" charset="0"/>
+              </a:rPr>
+              <a:t> </a:t>
+            </a:r>
+            <a:r>
+              <a:rPr lang="nl-NL" dirty="0" err="1" smtClean="0">
+                <a:solidFill>
+                  <a:schemeClr val="tx2">
+                    <a:lumMod val="20000"/>
+                    <a:lumOff val="80000"/>
+                  </a:schemeClr>
+                </a:solidFill>
+                <a:latin typeface="Script MT Bold" panose="03040602040607080904" pitchFamily="66" charset="0"/>
+              </a:rPr>
+              <a:t>enemies</a:t>
+            </a:r>
+            <a:endParaRPr lang="nl-NL" dirty="0" smtClean="0">
+              <a:solidFill>
+                <a:schemeClr val="tx2">
+                  <a:lumMod val="20000"/>
+                  <a:lumOff val="80000"/>
+                </a:schemeClr>
+              </a:solidFill>
+              <a:latin typeface="Script MT Bold" panose="03040602040607080904" pitchFamily="66" charset="0"/>
+            </a:endParaRPr>
+          </a:p>
+          <a:p>
+            <a:pPr lvl="1"/>
+            <a:r>
+              <a:rPr lang="nl-NL" dirty="0" smtClean="0">
+                <a:solidFill>
+                  <a:schemeClr val="tx2">
+                    <a:lumMod val="20000"/>
+                    <a:lumOff val="80000"/>
+                  </a:schemeClr>
+                </a:solidFill>
+                <a:latin typeface="Script MT Bold" panose="03040602040607080904" pitchFamily="66" charset="0"/>
+              </a:rPr>
+              <a:t>Towers</a:t>
+            </a:r>
+          </a:p>
+          <a:p>
+            <a:pPr lvl="2"/>
+            <a:r>
+              <a:rPr lang="nl-NL" dirty="0">
+                <a:solidFill>
+                  <a:schemeClr val="tx2">
+                    <a:lumMod val="20000"/>
+                    <a:lumOff val="80000"/>
+                  </a:schemeClr>
+                </a:solidFill>
+                <a:latin typeface="Script MT Bold" panose="03040602040607080904" pitchFamily="66" charset="0"/>
+              </a:rPr>
+              <a:t>Magic </a:t>
+            </a:r>
+            <a:r>
+              <a:rPr lang="nl-NL" dirty="0" err="1">
+                <a:solidFill>
+                  <a:schemeClr val="tx2">
+                    <a:lumMod val="20000"/>
+                    <a:lumOff val="80000"/>
+                  </a:schemeClr>
+                </a:solidFill>
+                <a:latin typeface="Script MT Bold" panose="03040602040607080904" pitchFamily="66" charset="0"/>
+              </a:rPr>
+              <a:t>Missile</a:t>
+            </a:r>
+            <a:endParaRPr lang="nl-NL" dirty="0">
+              <a:solidFill>
+                <a:schemeClr val="tx2">
+                  <a:lumMod val="20000"/>
+                  <a:lumOff val="80000"/>
+                </a:schemeClr>
+              </a:solidFill>
+              <a:latin typeface="Script MT Bold" panose="03040602040607080904" pitchFamily="66" charset="0"/>
+            </a:endParaRPr>
+          </a:p>
+          <a:p>
+            <a:pPr lvl="2"/>
+            <a:r>
+              <a:rPr lang="nl-NL" dirty="0" err="1">
+                <a:solidFill>
+                  <a:schemeClr val="tx2">
+                    <a:lumMod val="20000"/>
+                    <a:lumOff val="80000"/>
+                  </a:schemeClr>
+                </a:solidFill>
+                <a:latin typeface="Script MT Bold" panose="03040602040607080904" pitchFamily="66" charset="0"/>
+              </a:rPr>
+              <a:t>Poison</a:t>
+            </a:r>
+            <a:r>
+              <a:rPr lang="nl-NL" dirty="0">
+                <a:solidFill>
+                  <a:schemeClr val="tx2">
+                    <a:lumMod val="20000"/>
+                    <a:lumOff val="80000"/>
+                  </a:schemeClr>
+                </a:solidFill>
+                <a:latin typeface="Script MT Bold" panose="03040602040607080904" pitchFamily="66" charset="0"/>
+              </a:rPr>
+              <a:t> Dart</a:t>
+            </a:r>
+          </a:p>
+          <a:p>
+            <a:pPr lvl="2"/>
+            <a:r>
+              <a:rPr lang="nl-NL" dirty="0">
+                <a:solidFill>
+                  <a:schemeClr val="tx2">
+                    <a:lumMod val="20000"/>
+                    <a:lumOff val="80000"/>
+                  </a:schemeClr>
+                </a:solidFill>
+                <a:latin typeface="Script MT Bold" panose="03040602040607080904" pitchFamily="66" charset="0"/>
+              </a:rPr>
+              <a:t>Frost Field</a:t>
+            </a:r>
+          </a:p>
+          <a:p>
+            <a:pPr lvl="2"/>
+            <a:r>
+              <a:rPr lang="nl-NL" dirty="0" err="1">
+                <a:solidFill>
+                  <a:schemeClr val="tx2">
+                    <a:lumMod val="20000"/>
+                    <a:lumOff val="80000"/>
+                  </a:schemeClr>
+                </a:solidFill>
+                <a:latin typeface="Script MT Bold" panose="03040602040607080904" pitchFamily="66" charset="0"/>
+              </a:rPr>
+              <a:t>Fireball</a:t>
+            </a:r>
+            <a:endParaRPr lang="nl-NL" dirty="0">
+              <a:solidFill>
+                <a:schemeClr val="tx2">
+                  <a:lumMod val="20000"/>
+                  <a:lumOff val="80000"/>
+                </a:schemeClr>
+              </a:solidFill>
+              <a:latin typeface="Script MT Bold" panose="03040602040607080904" pitchFamily="66" charset="0"/>
+            </a:endParaRPr>
+          </a:p>
+          <a:p>
+            <a:pPr lvl="2"/>
+            <a:r>
+              <a:rPr lang="nl-NL" dirty="0" smtClean="0">
+                <a:solidFill>
+                  <a:schemeClr val="tx2">
+                    <a:lumMod val="20000"/>
+                    <a:lumOff val="80000"/>
+                  </a:schemeClr>
+                </a:solidFill>
+                <a:latin typeface="Script MT Bold" panose="03040602040607080904" pitchFamily="66" charset="0"/>
+              </a:rPr>
+              <a:t>Shockwave</a:t>
+            </a:r>
+          </a:p>
+          <a:p>
+            <a:pPr lvl="1"/>
+            <a:r>
+              <a:rPr lang="nl-NL" dirty="0" err="1" smtClean="0">
+                <a:solidFill>
+                  <a:schemeClr val="tx2">
+                    <a:lumMod val="20000"/>
+                    <a:lumOff val="80000"/>
+                  </a:schemeClr>
+                </a:solidFill>
+                <a:latin typeface="Script MT Bold" panose="03040602040607080904" pitchFamily="66" charset="0"/>
+              </a:rPr>
+              <a:t>Enemies</a:t>
+            </a:r>
+            <a:endParaRPr lang="nl-NL" dirty="0" smtClean="0">
+              <a:solidFill>
+                <a:schemeClr val="tx2">
+                  <a:lumMod val="20000"/>
+                  <a:lumOff val="80000"/>
+                </a:schemeClr>
+              </a:solidFill>
+              <a:latin typeface="Script MT Bold" panose="03040602040607080904" pitchFamily="66" charset="0"/>
+            </a:endParaRPr>
+          </a:p>
+          <a:p>
+            <a:pPr lvl="2"/>
+            <a:r>
+              <a:rPr lang="nl-NL" dirty="0" smtClean="0">
+                <a:solidFill>
+                  <a:schemeClr val="tx2">
+                    <a:lumMod val="20000"/>
+                    <a:lumOff val="80000"/>
+                  </a:schemeClr>
+                </a:solidFill>
+                <a:latin typeface="Script MT Bold" panose="03040602040607080904" pitchFamily="66" charset="0"/>
+              </a:rPr>
+              <a:t>Gnome</a:t>
+            </a:r>
+          </a:p>
+          <a:p>
+            <a:pPr lvl="2"/>
+            <a:r>
+              <a:rPr lang="nl-NL" dirty="0" err="1" smtClean="0">
+                <a:solidFill>
+                  <a:schemeClr val="tx2">
+                    <a:lumMod val="20000"/>
+                    <a:lumOff val="80000"/>
+                  </a:schemeClr>
+                </a:solidFill>
+                <a:latin typeface="Script MT Bold" panose="03040602040607080904" pitchFamily="66" charset="0"/>
+              </a:rPr>
+              <a:t>Mouseman</a:t>
+            </a:r>
+            <a:endParaRPr lang="nl-NL" dirty="0" smtClean="0">
+              <a:solidFill>
+                <a:schemeClr val="tx2">
+                  <a:lumMod val="20000"/>
+                  <a:lumOff val="80000"/>
+                </a:schemeClr>
+              </a:solidFill>
+              <a:latin typeface="Script MT Bold" panose="03040602040607080904" pitchFamily="66" charset="0"/>
+            </a:endParaRPr>
+          </a:p>
+          <a:p>
+            <a:pPr lvl="2"/>
+            <a:r>
+              <a:rPr lang="nl-NL" dirty="0" err="1" smtClean="0">
+                <a:solidFill>
+                  <a:schemeClr val="tx2">
+                    <a:lumMod val="20000"/>
+                    <a:lumOff val="80000"/>
+                  </a:schemeClr>
+                </a:solidFill>
+                <a:latin typeface="Script MT Bold" panose="03040602040607080904" pitchFamily="66" charset="0"/>
+              </a:rPr>
+              <a:t>Mushroom</a:t>
+            </a:r>
+            <a:r>
+              <a:rPr lang="nl-NL" dirty="0" smtClean="0">
+                <a:solidFill>
+                  <a:schemeClr val="tx2">
+                    <a:lumMod val="20000"/>
+                    <a:lumOff val="80000"/>
+                  </a:schemeClr>
+                </a:solidFill>
+                <a:latin typeface="Script MT Bold" panose="03040602040607080904" pitchFamily="66" charset="0"/>
+              </a:rPr>
+              <a:t> People</a:t>
+            </a:r>
+          </a:p>
+        </p:txBody>
+      </p:sp>
+    </p:spTree>
+    <p:extLst>
+      <p:ext uri="{BB962C8B-B14F-4D97-AF65-F5344CB8AC3E}">
+        <p14:creationId xmlns:p14="http://schemas.microsoft.com/office/powerpoint/2010/main" val="198705898"/>
+      </p:ext>
+    </p:extLst>
+  </p:cSld>
+  <p:clrMapOvr>
+    <a:masterClrMapping/>
+  </p:clrMapOvr>
+  <p:timing>
+    <p:tnLst>
+      <p:par>
+        <p:cTn id="1" dur="indefinite" restart="never" nodeType="tmRoot"/>
+      </p:par>
+    </p:tnLst>
+  </p:timing>
+</p:sld>
+</file>
+
+<file path=ppt/slides/slide6.xml><?xml version="1.0" encoding="utf-8"?>
+<p:sld xmlns:a="http://schemas.openxmlformats.org/drawingml/2006/main" xmlns:r="http://schemas.openxmlformats.org/officeDocument/2006/relationships" xmlns:p="http://schemas.openxmlformats.org/presentationml/2006/main">
+  <p:cSld>
+    <p:spTree>
+      <p:nvGrpSpPr>
+        <p:cNvPr id="1" name=""/>
+        <p:cNvGrpSpPr/>
+        <p:nvPr/>
+      </p:nvGrpSpPr>
+      <p:grpSpPr>
+        <a:xfrm>
+          <a:off x="0" y="0"/>
+          <a:ext cx="0" cy="0"/>
+          <a:chOff x="0" y="0"/>
+          <a:chExt cx="0" cy="0"/>
+        </a:xfrm>
+      </p:grpSpPr>
+      <p:sp>
+        <p:nvSpPr>
+          <p:cNvPr id="2" name="Titel 1"/>
+          <p:cNvSpPr>
+            <a:spLocks noGrp="1"/>
+          </p:cNvSpPr>
+          <p:nvPr>
+            <p:ph type="title"/>
+          </p:nvPr>
+        </p:nvSpPr>
+        <p:spPr/>
+        <p:txBody>
+          <a:bodyPr>
+            <a:normAutofit/>
+          </a:bodyPr>
+          <a:lstStyle/>
+          <a:p>
+            <a:r>
+              <a:rPr lang="nl-NL" sz="6600" i="1" dirty="0" smtClean="0">
+                <a:solidFill>
+                  <a:schemeClr val="tx2">
+                    <a:lumMod val="20000"/>
+                    <a:lumOff val="80000"/>
+                  </a:schemeClr>
+                </a:solidFill>
+                <a:latin typeface="Old English Text MT" panose="03040902040508030806" pitchFamily="66" charset="0"/>
+              </a:rPr>
+              <a:t>Art </a:t>
+            </a:r>
+            <a:r>
+              <a:rPr lang="nl-NL" sz="6600" i="1" dirty="0" err="1" smtClean="0">
+                <a:solidFill>
+                  <a:schemeClr val="tx2">
+                    <a:lumMod val="20000"/>
+                    <a:lumOff val="80000"/>
+                  </a:schemeClr>
+                </a:solidFill>
+                <a:latin typeface="Old English Text MT" panose="03040902040508030806" pitchFamily="66" charset="0"/>
+              </a:rPr>
+              <a:t>Direction</a:t>
+            </a:r>
+            <a:endParaRPr lang="nl-NL" sz="6600" i="1" dirty="0">
+              <a:solidFill>
+                <a:schemeClr val="tx2">
+                  <a:lumMod val="20000"/>
+                  <a:lumOff val="80000"/>
+                </a:schemeClr>
+              </a:solidFill>
+              <a:latin typeface="Old English Text MT" panose="03040902040508030806" pitchFamily="66" charset="0"/>
+            </a:endParaRPr>
+          </a:p>
+        </p:txBody>
+      </p:sp>
+      <p:sp>
+        <p:nvSpPr>
+          <p:cNvPr id="3" name="Tijdelijke aanduiding voor inhoud 2"/>
+          <p:cNvSpPr>
+            <a:spLocks noGrp="1"/>
+          </p:cNvSpPr>
+          <p:nvPr>
+            <p:ph idx="1"/>
+          </p:nvPr>
+        </p:nvSpPr>
+        <p:spPr/>
+        <p:txBody>
+          <a:bodyPr>
+            <a:normAutofit/>
+          </a:bodyPr>
+          <a:lstStyle/>
+          <a:p>
+            <a:r>
+              <a:rPr lang="nl-NL" sz="3000" dirty="0" err="1" smtClean="0">
+                <a:solidFill>
+                  <a:schemeClr val="tx2">
+                    <a:lumMod val="20000"/>
+                    <a:lumOff val="80000"/>
+                  </a:schemeClr>
+                </a:solidFill>
+                <a:latin typeface="Script MT Bold" panose="03040602040607080904" pitchFamily="66" charset="0"/>
+              </a:rPr>
+              <a:t>Cartoony</a:t>
+            </a:r>
+            <a:endParaRPr lang="nl-NL" sz="3000" dirty="0" smtClean="0">
+              <a:solidFill>
+                <a:schemeClr val="tx2">
+                  <a:lumMod val="20000"/>
+                  <a:lumOff val="80000"/>
+                </a:schemeClr>
+              </a:solidFill>
+              <a:latin typeface="Script MT Bold" panose="03040602040607080904" pitchFamily="66" charset="0"/>
+            </a:endParaRPr>
+          </a:p>
+          <a:p>
+            <a:r>
+              <a:rPr lang="nl-NL" sz="3000" dirty="0" smtClean="0">
+                <a:solidFill>
+                  <a:schemeClr val="tx2">
+                    <a:lumMod val="20000"/>
+                    <a:lumOff val="80000"/>
+                  </a:schemeClr>
+                </a:solidFill>
+                <a:latin typeface="Script MT Bold" panose="03040602040607080904" pitchFamily="66" charset="0"/>
+              </a:rPr>
+              <a:t>Fantasy</a:t>
+            </a:r>
+          </a:p>
+          <a:p>
+            <a:r>
+              <a:rPr lang="nl-NL" sz="3000" dirty="0" err="1" smtClean="0">
+                <a:solidFill>
+                  <a:schemeClr val="tx2">
+                    <a:lumMod val="20000"/>
+                    <a:lumOff val="80000"/>
+                  </a:schemeClr>
+                </a:solidFill>
+                <a:latin typeface="Script MT Bold" panose="03040602040607080904" pitchFamily="66" charset="0"/>
+              </a:rPr>
+              <a:t>Medieval</a:t>
+            </a:r>
+            <a:endParaRPr lang="nl-NL" sz="3000" dirty="0" smtClean="0">
+              <a:solidFill>
+                <a:schemeClr val="tx2">
+                  <a:lumMod val="20000"/>
+                  <a:lumOff val="80000"/>
+                </a:schemeClr>
+              </a:solidFill>
+              <a:latin typeface="Script MT Bold" panose="03040602040607080904" pitchFamily="66" charset="0"/>
+            </a:endParaRPr>
+          </a:p>
+          <a:p>
+            <a:r>
+              <a:rPr lang="nl-NL" sz="3000" dirty="0" smtClean="0">
+                <a:solidFill>
+                  <a:schemeClr val="tx2">
+                    <a:lumMod val="20000"/>
+                    <a:lumOff val="80000"/>
+                  </a:schemeClr>
+                </a:solidFill>
+                <a:latin typeface="Script MT Bold" panose="03040602040607080904" pitchFamily="66" charset="0"/>
+              </a:rPr>
+              <a:t>Magic</a:t>
+            </a:r>
+          </a:p>
+          <a:p>
+            <a:r>
+              <a:rPr lang="nl-NL" sz="3000" dirty="0" err="1" smtClean="0">
+                <a:solidFill>
+                  <a:schemeClr val="tx2">
+                    <a:lumMod val="20000"/>
+                    <a:lumOff val="80000"/>
+                  </a:schemeClr>
+                </a:solidFill>
+                <a:latin typeface="Script MT Bold" panose="03040602040607080904" pitchFamily="66" charset="0"/>
+              </a:rPr>
+              <a:t>Chaotic</a:t>
+            </a:r>
+            <a:endParaRPr lang="nl-NL" sz="3000" dirty="0">
+              <a:solidFill>
+                <a:schemeClr val="tx2">
+                  <a:lumMod val="20000"/>
+                  <a:lumOff val="80000"/>
+                </a:schemeClr>
+              </a:solidFill>
+              <a:latin typeface="Script MT Bold" panose="03040602040607080904" pitchFamily="66" charset="0"/>
+            </a:endParaRPr>
+          </a:p>
+        </p:txBody>
+      </p:sp>
+    </p:spTree>
+    <p:extLst>
+      <p:ext uri="{BB962C8B-B14F-4D97-AF65-F5344CB8AC3E}">
+        <p14:creationId xmlns:p14="http://schemas.microsoft.com/office/powerpoint/2010/main" val="1607325392"/>
+      </p:ext>
+    </p:extLst>
+  </p:cSld>
+  <p:clrMapOvr>
+    <a:masterClrMapping/>
+  </p:clrMapOvr>
+  <p:timing>
+    <p:tnLst>
+      <p:par>
+        <p:cTn id="1" dur="indefinite" restart="never" nodeType="tmRoot"/>
+      </p:par>
+    </p:tnLst>
+  </p:timing>
+</p:sld>
+</file>
+
+<file path=ppt/slides/slide7.xml><?xml version="1.0" encoding="utf-8"?>
+<p:sld xmlns:a="http://schemas.openxmlformats.org/drawingml/2006/main" xmlns:r="http://schemas.openxmlformats.org/officeDocument/2006/relationships" xmlns:p="http://schemas.openxmlformats.org/presentationml/2006/main">
+  <p:cSld>
+    <p:spTree>
+      <p:nvGrpSpPr>
+        <p:cNvPr id="1" name=""/>
+        <p:cNvGrpSpPr/>
+        <p:nvPr/>
+      </p:nvGrpSpPr>
+      <p:grpSpPr>
+        <a:xfrm>
+          <a:off x="0" y="0"/>
+          <a:ext cx="0" cy="0"/>
+          <a:chOff x="0" y="0"/>
+          <a:chExt cx="0" cy="0"/>
+        </a:xfrm>
+      </p:grpSpPr>
+      <p:sp>
+        <p:nvSpPr>
+          <p:cNvPr id="2" name="Titel 1"/>
+          <p:cNvSpPr>
+            <a:spLocks noGrp="1"/>
+          </p:cNvSpPr>
+          <p:nvPr>
+            <p:ph type="title"/>
+          </p:nvPr>
+        </p:nvSpPr>
+        <p:spPr/>
+        <p:txBody>
+          <a:bodyPr>
+            <a:normAutofit/>
+          </a:bodyPr>
+          <a:lstStyle/>
+          <a:p>
+            <a:r>
+              <a:rPr lang="nl-NL" sz="6600" i="1" dirty="0" smtClean="0">
+                <a:solidFill>
+                  <a:schemeClr val="tx2">
+                    <a:lumMod val="20000"/>
+                    <a:lumOff val="80000"/>
+                  </a:schemeClr>
+                </a:solidFill>
+                <a:latin typeface="Old English Text MT" panose="03040902040508030806" pitchFamily="66" charset="0"/>
+              </a:rPr>
+              <a:t>User </a:t>
+            </a:r>
+            <a:r>
+              <a:rPr lang="nl-NL" sz="6600" i="1" dirty="0" err="1" smtClean="0">
+                <a:solidFill>
+                  <a:schemeClr val="tx2">
+                    <a:lumMod val="20000"/>
+                    <a:lumOff val="80000"/>
+                  </a:schemeClr>
+                </a:solidFill>
+                <a:latin typeface="Old English Text MT" panose="03040902040508030806" pitchFamily="66" charset="0"/>
+              </a:rPr>
+              <a:t>Experience</a:t>
+            </a:r>
+            <a:endParaRPr lang="nl-NL" sz="6600" i="1" dirty="0">
+              <a:solidFill>
+                <a:schemeClr val="tx2">
+                  <a:lumMod val="20000"/>
+                  <a:lumOff val="80000"/>
+                </a:schemeClr>
+              </a:solidFill>
+              <a:latin typeface="Old English Text MT" panose="03040902040508030806" pitchFamily="66" charset="0"/>
+            </a:endParaRPr>
+          </a:p>
+        </p:txBody>
+      </p:sp>
+      <p:sp>
+        <p:nvSpPr>
+          <p:cNvPr id="3" name="Tijdelijke aanduiding voor inhoud 2"/>
+          <p:cNvSpPr>
+            <a:spLocks noGrp="1"/>
+          </p:cNvSpPr>
+          <p:nvPr>
+            <p:ph idx="1"/>
+          </p:nvPr>
+        </p:nvSpPr>
+        <p:spPr/>
+        <p:txBody>
+          <a:bodyPr>
+            <a:normAutofit/>
+          </a:bodyPr>
+          <a:lstStyle/>
+          <a:p>
+            <a:r>
+              <a:rPr lang="nl-NL" sz="3000" dirty="0" smtClean="0">
+                <a:solidFill>
+                  <a:schemeClr val="tx2">
+                    <a:lumMod val="20000"/>
+                    <a:lumOff val="80000"/>
+                  </a:schemeClr>
+                </a:solidFill>
+                <a:latin typeface="Script MT Bold" panose="03040602040607080904" pitchFamily="66" charset="0"/>
+              </a:rPr>
+              <a:t>Light </a:t>
+            </a:r>
+            <a:r>
+              <a:rPr lang="nl-NL" sz="3000" dirty="0" err="1" smtClean="0">
+                <a:solidFill>
+                  <a:schemeClr val="tx2">
+                    <a:lumMod val="20000"/>
+                    <a:lumOff val="80000"/>
+                  </a:schemeClr>
+                </a:solidFill>
+                <a:latin typeface="Script MT Bold" panose="03040602040607080904" pitchFamily="66" charset="0"/>
+              </a:rPr>
+              <a:t>based</a:t>
+            </a:r>
+            <a:r>
+              <a:rPr lang="nl-NL" sz="3000" dirty="0" smtClean="0">
+                <a:solidFill>
+                  <a:schemeClr val="tx2">
+                    <a:lumMod val="20000"/>
+                    <a:lumOff val="80000"/>
+                  </a:schemeClr>
+                </a:solidFill>
+                <a:latin typeface="Script MT Bold" panose="03040602040607080904" pitchFamily="66" charset="0"/>
+              </a:rPr>
+              <a:t> feedback</a:t>
+            </a:r>
+          </a:p>
+          <a:p>
+            <a:r>
+              <a:rPr lang="nl-NL" sz="3000" dirty="0" smtClean="0">
+                <a:solidFill>
+                  <a:schemeClr val="tx2">
+                    <a:lumMod val="20000"/>
+                    <a:lumOff val="80000"/>
+                  </a:schemeClr>
+                </a:solidFill>
+                <a:latin typeface="Script MT Bold" panose="03040602040607080904" pitchFamily="66" charset="0"/>
+              </a:rPr>
+              <a:t>Sound on event</a:t>
+            </a:r>
+          </a:p>
+          <a:p>
+            <a:r>
+              <a:rPr lang="nl-NL" sz="3000" dirty="0" err="1" smtClean="0">
+                <a:solidFill>
+                  <a:schemeClr val="tx2">
+                    <a:lumMod val="20000"/>
+                    <a:lumOff val="80000"/>
+                  </a:schemeClr>
+                </a:solidFill>
+                <a:latin typeface="Script MT Bold" panose="03040602040607080904" pitchFamily="66" charset="0"/>
+              </a:rPr>
+              <a:t>Clear</a:t>
+            </a:r>
+            <a:r>
+              <a:rPr lang="nl-NL" sz="3000" dirty="0" smtClean="0">
+                <a:solidFill>
+                  <a:schemeClr val="tx2">
+                    <a:lumMod val="20000"/>
+                    <a:lumOff val="80000"/>
+                  </a:schemeClr>
+                </a:solidFill>
+                <a:latin typeface="Script MT Bold" panose="03040602040607080904" pitchFamily="66" charset="0"/>
+              </a:rPr>
+              <a:t>, </a:t>
+            </a:r>
+            <a:r>
+              <a:rPr lang="nl-NL" sz="3000" dirty="0" err="1" smtClean="0">
+                <a:solidFill>
+                  <a:schemeClr val="tx2">
+                    <a:lumMod val="20000"/>
+                    <a:lumOff val="80000"/>
+                  </a:schemeClr>
+                </a:solidFill>
+                <a:latin typeface="Script MT Bold" panose="03040602040607080904" pitchFamily="66" charset="0"/>
+              </a:rPr>
+              <a:t>readable</a:t>
+            </a:r>
+            <a:r>
+              <a:rPr lang="nl-NL" sz="3000" dirty="0" smtClean="0">
+                <a:solidFill>
+                  <a:schemeClr val="tx2">
+                    <a:lumMod val="20000"/>
+                    <a:lumOff val="80000"/>
+                  </a:schemeClr>
+                </a:solidFill>
+                <a:latin typeface="Script MT Bold" panose="03040602040607080904" pitchFamily="66" charset="0"/>
+              </a:rPr>
+              <a:t> user interface</a:t>
+            </a:r>
+            <a:endParaRPr lang="nl-NL" sz="3000" dirty="0">
+              <a:solidFill>
+                <a:schemeClr val="tx2">
+                  <a:lumMod val="20000"/>
+                  <a:lumOff val="80000"/>
+                </a:schemeClr>
+              </a:solidFill>
+              <a:latin typeface="Script MT Bold" panose="03040602040607080904" pitchFamily="66" charset="0"/>
+            </a:endParaRPr>
+          </a:p>
+        </p:txBody>
+      </p:sp>
+    </p:spTree>
+    <p:extLst>
+      <p:ext uri="{BB962C8B-B14F-4D97-AF65-F5344CB8AC3E}">
+        <p14:creationId xmlns:p14="http://schemas.microsoft.com/office/powerpoint/2010/main" val="684802566"/>
+      </p:ext>
+    </p:extLst>
+  </p:cSld>
+  <p:clrMapOvr>
+    <a:masterClrMapping/>
+  </p:clrMapOvr>
+  <p:timing>
+    <p:tnLst>
+      <p:par>
+        <p:cTn id="1" dur="indefinite" restart="never" nodeType="tmRoot"/>
+      </p:par>
+    </p:tnLst>
+  </p:timing>
+</p:sld>
+</file>
+
+<file path=ppt/slides/slide8.xml><?xml version="1.0" encoding="utf-8"?>
+<p:sld xmlns:a="http://schemas.openxmlformats.org/drawingml/2006/main" xmlns:r="http://schemas.openxmlformats.org/officeDocument/2006/relationships" xmlns:p="http://schemas.openxmlformats.org/presentationml/2006/main">
+  <p:cSld>
+    <p:spTree>
+      <p:nvGrpSpPr>
+        <p:cNvPr id="1" name=""/>
+        <p:cNvGrpSpPr/>
+        <p:nvPr/>
+      </p:nvGrpSpPr>
+      <p:grpSpPr>
+        <a:xfrm>
+          <a:off x="0" y="0"/>
+          <a:ext cx="0" cy="0"/>
+          <a:chOff x="0" y="0"/>
+          <a:chExt cx="0" cy="0"/>
+        </a:xfrm>
+      </p:grpSpPr>
+      <p:sp>
+        <p:nvSpPr>
+          <p:cNvPr id="2" name="Titel 1"/>
+          <p:cNvSpPr>
+            <a:spLocks noGrp="1"/>
+          </p:cNvSpPr>
+          <p:nvPr>
+            <p:ph type="title"/>
+          </p:nvPr>
+        </p:nvSpPr>
+        <p:spPr/>
+        <p:txBody>
+          <a:bodyPr>
+            <a:normAutofit/>
+          </a:bodyPr>
+          <a:lstStyle/>
+          <a:p>
+            <a:r>
+              <a:rPr lang="nl-NL" sz="6600" i="1" dirty="0" smtClean="0">
+                <a:solidFill>
+                  <a:schemeClr val="tx2">
+                    <a:lumMod val="20000"/>
+                    <a:lumOff val="80000"/>
+                  </a:schemeClr>
+                </a:solidFill>
+                <a:latin typeface="Old English Text MT" panose="03040902040508030806" pitchFamily="66" charset="0"/>
+              </a:rPr>
+              <a:t>Vragen?</a:t>
+            </a:r>
+            <a:endParaRPr lang="nl-NL" sz="6600" i="1" dirty="0">
+              <a:solidFill>
+                <a:schemeClr val="tx2">
+                  <a:lumMod val="20000"/>
+                  <a:lumOff val="80000"/>
+                </a:schemeClr>
+              </a:solidFill>
+              <a:latin typeface="Old English Text MT" panose="03040902040508030806" pitchFamily="66" charset="0"/>
+            </a:endParaRPr>
+          </a:p>
+        </p:txBody>
+      </p:sp>
+      <p:pic>
+        <p:nvPicPr>
+          <p:cNvPr id="4" name="Tijdelijke aanduiding voor inhoud 3"/>
+          <p:cNvPicPr>
+            <a:picLocks noGrp="1" noChangeAspect="1"/>
+          </p:cNvPicPr>
+          <p:nvPr>
+            <p:ph idx="1"/>
+          </p:nvPr>
+        </p:nvPicPr>
+        <p:blipFill>
+          <a:blip r:embed="rId2">
+            <a:extLst>
+              <a:ext uri="{28A0092B-C50C-407E-A947-70E740481C1C}">
+                <a14:useLocalDpi xmlns:a14="http://schemas.microsoft.com/office/drawing/2010/main" val="0"/>
+              </a:ext>
+            </a:extLst>
+          </a:blip>
+          <a:stretch>
+            <a:fillRect/>
+          </a:stretch>
+        </p:blipFill>
+        <p:spPr>
+          <a:xfrm>
+            <a:off x="1520355" y="1600200"/>
+            <a:ext cx="6103290" cy="4525963"/>
+          </a:xfrm>
+        </p:spPr>
+      </p:pic>
+    </p:spTree>
+    <p:extLst>
+      <p:ext uri="{BB962C8B-B14F-4D97-AF65-F5344CB8AC3E}">
+        <p14:creationId xmlns:p14="http://schemas.microsoft.com/office/powerpoint/2010/main" val="255363074"/>
+      </p:ext>
+    </p:extLst>
+  </p:cSld>
+  <p:clrMapOvr>
+    <a:masterClrMapping/>
+  </p:clrMapOvr>
+  <p:timing>
+    <p:tnLst>
+      <p:par>
+        <p:cTn id="1" dur="indefinite" restart="never" nodeType="tmRoot"/>
+      </p:par>
+    </p:tnLst>
+  </p:timing>
 </p:sld>
 </file>
 
@@ -3616,4 +5367,47 @@
   <a:objectDefaults/>
   <a:extraClrSchemeLst/>
 </a:theme>
+</file>
+
+<file path=ppt/theme/themeOverride1.xml><?xml version="1.0" encoding="utf-8"?>
+<a:themeOverride xmlns:a="http://schemas.openxmlformats.org/drawingml/2006/main">
+  <a:clrScheme name="Kantoor">
+    <a:dk1>
+      <a:sysClr val="windowText" lastClr="000000"/>
+    </a:dk1>
+    <a:lt1>
+      <a:sysClr val="window" lastClr="FFFFFF"/>
+    </a:lt1>
+    <a:dk2>
+      <a:srgbClr val="1F497D"/>
+    </a:dk2>
+    <a:lt2>
+      <a:srgbClr val="EEECE1"/>
+    </a:lt2>
+    <a:accent1>
+      <a:srgbClr val="4F81BD"/>
+    </a:accent1>
+    <a:accent2>
+      <a:srgbClr val="C0504D"/>
+    </a:accent2>
+    <a:accent3>
+      <a:srgbClr val="9BBB59"/>
+    </a:accent3>
+    <a:accent4>
+      <a:srgbClr val="8064A2"/>
+    </a:accent4>
+    <a:accent5>
+      <a:srgbClr val="4BACC6"/>
+    </a:accent5>
+    <a:accent6>
+      <a:srgbClr val="F79646"/>
+    </a:accent6>
+    <a:hlink>
+      <a:srgbClr val="0000FF"/>
+    </a:hlink>
+    <a:folHlink>
+      <a:srgbClr val="800080"/>
+    </a:folHlink>
+  </a:clrScheme>
+</a:themeOverride>
 </file>
--- a/Concept Presentatie.pptx
+++ b/Concept Presentatie.pptx
@@ -12,7 +12,8 @@
     <p:sldId id="260" r:id="rId6"/>
     <p:sldId id="261" r:id="rId7"/>
     <p:sldId id="262" r:id="rId8"/>
-    <p:sldId id="263" r:id="rId9"/>
+    <p:sldId id="264" r:id="rId9"/>
+    <p:sldId id="263" r:id="rId10"/>
   </p:sldIdLst>
   <p:sldSz cx="9144000" cy="6858000" type="screen4x3"/>
   <p:notesSz cx="6858000" cy="9144000"/>
@@ -295,7 +296,7 @@
           <a:p>
             <a:fld id="{B7EB9C10-4C90-4659-BF2A-C1F666EA0DCC}" type="datetimeFigureOut">
               <a:rPr lang="nl-NL" smtClean="0"/>
-              <a:t>11-9-2018</a:t>
+              <a:t>12-9-2018</a:t>
             </a:fld>
             <a:endParaRPr lang="nl-NL"/>
           </a:p>
@@ -465,7 +466,7 @@
           <a:p>
             <a:fld id="{B7EB9C10-4C90-4659-BF2A-C1F666EA0DCC}" type="datetimeFigureOut">
               <a:rPr lang="nl-NL" smtClean="0"/>
-              <a:t>11-9-2018</a:t>
+              <a:t>12-9-2018</a:t>
             </a:fld>
             <a:endParaRPr lang="nl-NL"/>
           </a:p>
@@ -645,7 +646,7 @@
           <a:p>
             <a:fld id="{B7EB9C10-4C90-4659-BF2A-C1F666EA0DCC}" type="datetimeFigureOut">
               <a:rPr lang="nl-NL" smtClean="0"/>
-              <a:t>11-9-2018</a:t>
+              <a:t>12-9-2018</a:t>
             </a:fld>
             <a:endParaRPr lang="nl-NL"/>
           </a:p>
@@ -815,7 +816,7 @@
           <a:p>
             <a:fld id="{B7EB9C10-4C90-4659-BF2A-C1F666EA0DCC}" type="datetimeFigureOut">
               <a:rPr lang="nl-NL" smtClean="0"/>
-              <a:t>11-9-2018</a:t>
+              <a:t>12-9-2018</a:t>
             </a:fld>
             <a:endParaRPr lang="nl-NL"/>
           </a:p>
@@ -1061,7 +1062,7 @@
           <a:p>
             <a:fld id="{B7EB9C10-4C90-4659-BF2A-C1F666EA0DCC}" type="datetimeFigureOut">
               <a:rPr lang="nl-NL" smtClean="0"/>
-              <a:t>11-9-2018</a:t>
+              <a:t>12-9-2018</a:t>
             </a:fld>
             <a:endParaRPr lang="nl-NL"/>
           </a:p>
@@ -1349,7 +1350,7 @@
           <a:p>
             <a:fld id="{B7EB9C10-4C90-4659-BF2A-C1F666EA0DCC}" type="datetimeFigureOut">
               <a:rPr lang="nl-NL" smtClean="0"/>
-              <a:t>11-9-2018</a:t>
+              <a:t>12-9-2018</a:t>
             </a:fld>
             <a:endParaRPr lang="nl-NL"/>
           </a:p>
@@ -1771,7 +1772,7 @@
           <a:p>
             <a:fld id="{B7EB9C10-4C90-4659-BF2A-C1F666EA0DCC}" type="datetimeFigureOut">
               <a:rPr lang="nl-NL" smtClean="0"/>
-              <a:t>11-9-2018</a:t>
+              <a:t>12-9-2018</a:t>
             </a:fld>
             <a:endParaRPr lang="nl-NL"/>
           </a:p>
@@ -1889,7 +1890,7 @@
           <a:p>
             <a:fld id="{B7EB9C10-4C90-4659-BF2A-C1F666EA0DCC}" type="datetimeFigureOut">
               <a:rPr lang="nl-NL" smtClean="0"/>
-              <a:t>11-9-2018</a:t>
+              <a:t>12-9-2018</a:t>
             </a:fld>
             <a:endParaRPr lang="nl-NL"/>
           </a:p>
@@ -1984,7 +1985,7 @@
           <a:p>
             <a:fld id="{B7EB9C10-4C90-4659-BF2A-C1F666EA0DCC}" type="datetimeFigureOut">
               <a:rPr lang="nl-NL" smtClean="0"/>
-              <a:t>11-9-2018</a:t>
+              <a:t>12-9-2018</a:t>
             </a:fld>
             <a:endParaRPr lang="nl-NL"/>
           </a:p>
@@ -2261,7 +2262,7 @@
           <a:p>
             <a:fld id="{B7EB9C10-4C90-4659-BF2A-C1F666EA0DCC}" type="datetimeFigureOut">
               <a:rPr lang="nl-NL" smtClean="0"/>
-              <a:t>11-9-2018</a:t>
+              <a:t>12-9-2018</a:t>
             </a:fld>
             <a:endParaRPr lang="nl-NL"/>
           </a:p>
@@ -2514,7 +2515,7 @@
           <a:p>
             <a:fld id="{B7EB9C10-4C90-4659-BF2A-C1F666EA0DCC}" type="datetimeFigureOut">
               <a:rPr lang="nl-NL" smtClean="0"/>
-              <a:t>11-9-2018</a:t>
+              <a:t>12-9-2018</a:t>
             </a:fld>
             <a:endParaRPr lang="nl-NL"/>
           </a:p>
@@ -2736,7 +2737,7 @@
           <a:p>
             <a:fld id="{B7EB9C10-4C90-4659-BF2A-C1F666EA0DCC}" type="datetimeFigureOut">
               <a:rPr lang="nl-NL" smtClean="0"/>
-              <a:t>11-9-2018</a:t>
+              <a:t>12-9-2018</a:t>
             </a:fld>
             <a:endParaRPr lang="nl-NL"/>
           </a:p>
@@ -3440,39 +3441,16 @@
               <a:t>Game</a:t>
             </a:r>
             <a:r>
-              <a:rPr lang="nl-NL" dirty="0" smtClean="0">
-                <a:solidFill>
-                  <a:schemeClr val="tx2">
-                    <a:lumMod val="20000"/>
-                    <a:lumOff val="80000"/>
-                  </a:schemeClr>
-                </a:solidFill>
-                <a:latin typeface="Old English Text MT" panose="03040902040508030806" pitchFamily="66" charset="0"/>
+              <a:rPr lang="nl-NL" dirty="0">
+                <a:solidFill>
+                  <a:schemeClr val="tx2">
+                    <a:lumMod val="20000"/>
+                    <a:lumOff val="80000"/>
+                  </a:schemeClr>
+                </a:solidFill>
+                <a:latin typeface="Script MT Bold" panose="03040602040607080904" pitchFamily="66" charset="0"/>
               </a:rPr>
               <a:t> concept</a:t>
-            </a:r>
-            <a:endParaRPr lang="nl-NL" dirty="0">
-              <a:solidFill>
-                <a:schemeClr val="tx2">
-                  <a:lumMod val="20000"/>
-                  <a:lumOff val="80000"/>
-                </a:schemeClr>
-              </a:solidFill>
-              <a:latin typeface="Old English Text MT" panose="03040902040508030806" pitchFamily="66" charset="0"/>
-            </a:endParaRPr>
-          </a:p>
-          <a:p>
-            <a:r>
-              <a:rPr lang="nl-NL" dirty="0" err="1">
-                <a:solidFill>
-                  <a:schemeClr val="tx2">
-                    <a:lumMod val="20000"/>
-                    <a:lumOff val="80000"/>
-                  </a:schemeClr>
-                </a:solidFill>
-                <a:latin typeface="Script MT Bold" panose="03040602040607080904" pitchFamily="66" charset="0"/>
-              </a:rPr>
-              <a:t>Mechanics</a:t>
             </a:r>
             <a:endParaRPr lang="nl-NL" dirty="0">
               <a:solidFill>
@@ -3486,110 +3464,16 @@
           </a:p>
           <a:p>
             <a:r>
-              <a:rPr lang="nl-NL" dirty="0">
-                <a:solidFill>
-                  <a:schemeClr val="tx2">
-                    <a:lumMod val="20000"/>
-                    <a:lumOff val="80000"/>
-                  </a:schemeClr>
-                </a:solidFill>
-                <a:latin typeface="Script MT Bold" panose="03040602040607080904" pitchFamily="66" charset="0"/>
-              </a:rPr>
-              <a:t>Art</a:t>
-            </a:r>
-            <a:r>
-              <a:rPr lang="nl-NL" dirty="0" smtClean="0">
-                <a:solidFill>
-                  <a:schemeClr val="tx2">
-                    <a:lumMod val="20000"/>
-                    <a:lumOff val="80000"/>
-                  </a:schemeClr>
-                </a:solidFill>
-                <a:latin typeface="Old English Text MT" panose="03040902040508030806" pitchFamily="66" charset="0"/>
-              </a:rPr>
-              <a:t> </a:t>
-            </a:r>
-            <a:r>
-              <a:rPr lang="nl-NL" dirty="0" err="1" smtClean="0">
-                <a:solidFill>
-                  <a:schemeClr val="tx2">
-                    <a:lumMod val="20000"/>
-                    <a:lumOff val="80000"/>
-                  </a:schemeClr>
-                </a:solidFill>
-                <a:latin typeface="Old English Text MT" panose="03040902040508030806" pitchFamily="66" charset="0"/>
-              </a:rPr>
-              <a:t>direction</a:t>
-            </a:r>
-            <a:endParaRPr lang="nl-NL" dirty="0" smtClean="0">
-              <a:solidFill>
-                <a:schemeClr val="tx2">
-                  <a:lumMod val="20000"/>
-                  <a:lumOff val="80000"/>
-                </a:schemeClr>
-              </a:solidFill>
-              <a:latin typeface="Old English Text MT" panose="03040902040508030806" pitchFamily="66" charset="0"/>
-            </a:endParaRPr>
-          </a:p>
-          <a:p>
-            <a:r>
-              <a:rPr lang="nl-NL" dirty="0">
-                <a:solidFill>
-                  <a:schemeClr val="tx2">
-                    <a:lumMod val="20000"/>
-                    <a:lumOff val="80000"/>
-                  </a:schemeClr>
-                </a:solidFill>
-                <a:latin typeface="Script MT Bold" panose="03040602040607080904" pitchFamily="66" charset="0"/>
-              </a:rPr>
-              <a:t>User</a:t>
-            </a:r>
-            <a:r>
-              <a:rPr lang="nl-NL" dirty="0" smtClean="0">
-                <a:solidFill>
-                  <a:schemeClr val="tx2">
-                    <a:lumMod val="20000"/>
-                    <a:lumOff val="80000"/>
-                  </a:schemeClr>
-                </a:solidFill>
-                <a:latin typeface="Old English Text MT" panose="03040902040508030806" pitchFamily="66" charset="0"/>
-              </a:rPr>
-              <a:t> </a:t>
-            </a:r>
-            <a:r>
-              <a:rPr lang="nl-NL" dirty="0" err="1" smtClean="0">
-                <a:solidFill>
-                  <a:schemeClr val="tx2">
-                    <a:lumMod val="20000"/>
-                    <a:lumOff val="80000"/>
-                  </a:schemeClr>
-                </a:solidFill>
-                <a:latin typeface="Old English Text MT" panose="03040902040508030806" pitchFamily="66" charset="0"/>
-              </a:rPr>
-              <a:t>experience</a:t>
-            </a:r>
-            <a:endParaRPr lang="nl-NL" dirty="0" smtClean="0">
-              <a:solidFill>
-                <a:schemeClr val="tx2">
-                  <a:lumMod val="20000"/>
-                  <a:lumOff val="80000"/>
-                </a:schemeClr>
-              </a:solidFill>
-              <a:latin typeface="Old English Text MT" panose="03040902040508030806" pitchFamily="66" charset="0"/>
-            </a:endParaRPr>
-          </a:p>
-          <a:p>
-            <a:r>
-              <a:rPr lang="nl-NL" dirty="0">
-                <a:solidFill>
-                  <a:schemeClr val="tx2">
-                    <a:lumMod val="20000"/>
-                    <a:lumOff val="80000"/>
-                  </a:schemeClr>
-                </a:solidFill>
-                <a:latin typeface="Script MT Bold" panose="03040602040607080904" pitchFamily="66" charset="0"/>
-              </a:rPr>
-              <a:t>Vragen</a:t>
+              <a:rPr lang="nl-NL" dirty="0" err="1">
+                <a:solidFill>
+                  <a:schemeClr val="tx2">
+                    <a:lumMod val="20000"/>
+                    <a:lumOff val="80000"/>
+                  </a:schemeClr>
+                </a:solidFill>
+                <a:latin typeface="Script MT Bold" panose="03040602040607080904" pitchFamily="66" charset="0"/>
+              </a:rPr>
+              <a:t>Mechanics</a:t>
             </a:r>
             <a:endParaRPr lang="nl-NL" dirty="0">
               <a:solidFill>
@@ -3600,6 +3484,128 @@
               </a:solidFill>
               <a:latin typeface="Script MT Bold" panose="03040602040607080904" pitchFamily="66" charset="0"/>
             </a:endParaRPr>
+          </a:p>
+          <a:p>
+            <a:r>
+              <a:rPr lang="nl-NL" dirty="0">
+                <a:solidFill>
+                  <a:schemeClr val="tx2">
+                    <a:lumMod val="20000"/>
+                    <a:lumOff val="80000"/>
+                  </a:schemeClr>
+                </a:solidFill>
+                <a:latin typeface="Script MT Bold" panose="03040602040607080904" pitchFamily="66" charset="0"/>
+              </a:rPr>
+              <a:t>Art</a:t>
+            </a:r>
+            <a:r>
+              <a:rPr lang="nl-NL" dirty="0">
+                <a:solidFill>
+                  <a:schemeClr val="tx2">
+                    <a:lumMod val="20000"/>
+                    <a:lumOff val="80000"/>
+                  </a:schemeClr>
+                </a:solidFill>
+                <a:latin typeface="Script MT Bold" panose="03040602040607080904" pitchFamily="66" charset="0"/>
+              </a:rPr>
+              <a:t> </a:t>
+            </a:r>
+            <a:r>
+              <a:rPr lang="nl-NL" dirty="0" err="1">
+                <a:solidFill>
+                  <a:schemeClr val="tx2">
+                    <a:lumMod val="20000"/>
+                    <a:lumOff val="80000"/>
+                  </a:schemeClr>
+                </a:solidFill>
+                <a:latin typeface="Script MT Bold" panose="03040602040607080904" pitchFamily="66" charset="0"/>
+              </a:rPr>
+              <a:t>direction</a:t>
+            </a:r>
+            <a:endParaRPr lang="nl-NL" dirty="0">
+              <a:solidFill>
+                <a:schemeClr val="tx2">
+                  <a:lumMod val="20000"/>
+                  <a:lumOff val="80000"/>
+                </a:schemeClr>
+              </a:solidFill>
+              <a:latin typeface="Script MT Bold" panose="03040602040607080904" pitchFamily="66" charset="0"/>
+            </a:endParaRPr>
+          </a:p>
+          <a:p>
+            <a:r>
+              <a:rPr lang="nl-NL" dirty="0">
+                <a:solidFill>
+                  <a:schemeClr val="tx2">
+                    <a:lumMod val="20000"/>
+                    <a:lumOff val="80000"/>
+                  </a:schemeClr>
+                </a:solidFill>
+                <a:latin typeface="Script MT Bold" panose="03040602040607080904" pitchFamily="66" charset="0"/>
+              </a:rPr>
+              <a:t>User</a:t>
+            </a:r>
+            <a:r>
+              <a:rPr lang="nl-NL" dirty="0">
+                <a:solidFill>
+                  <a:schemeClr val="tx2">
+                    <a:lumMod val="20000"/>
+                    <a:lumOff val="80000"/>
+                  </a:schemeClr>
+                </a:solidFill>
+                <a:latin typeface="Script MT Bold" panose="03040602040607080904" pitchFamily="66" charset="0"/>
+              </a:rPr>
+              <a:t> </a:t>
+            </a:r>
+            <a:r>
+              <a:rPr lang="nl-NL" dirty="0" err="1">
+                <a:solidFill>
+                  <a:schemeClr val="tx2">
+                    <a:lumMod val="20000"/>
+                    <a:lumOff val="80000"/>
+                  </a:schemeClr>
+                </a:solidFill>
+                <a:latin typeface="Script MT Bold" panose="03040602040607080904" pitchFamily="66" charset="0"/>
+              </a:rPr>
+              <a:t>experience</a:t>
+            </a:r>
+            <a:endParaRPr lang="nl-NL" dirty="0">
+              <a:solidFill>
+                <a:schemeClr val="tx2">
+                  <a:lumMod val="20000"/>
+                  <a:lumOff val="80000"/>
+                </a:schemeClr>
+              </a:solidFill>
+              <a:latin typeface="Script MT Bold" panose="03040602040607080904" pitchFamily="66" charset="0"/>
+            </a:endParaRPr>
+          </a:p>
+          <a:p>
+            <a:r>
+              <a:rPr lang="nl-NL" dirty="0">
+                <a:solidFill>
+                  <a:schemeClr val="tx2">
+                    <a:lumMod val="20000"/>
+                    <a:lumOff val="80000"/>
+                  </a:schemeClr>
+                </a:solidFill>
+                <a:latin typeface="Script MT Bold" panose="03040602040607080904" pitchFamily="66" charset="0"/>
+              </a:rPr>
+              <a:t>Planning</a:t>
+            </a:r>
+          </a:p>
+          <a:p>
+            <a:r>
+              <a:rPr lang="nl-NL" dirty="0">
+                <a:solidFill>
+                  <a:schemeClr val="tx2">
+                    <a:lumMod val="20000"/>
+                    <a:lumOff val="80000"/>
+                  </a:schemeClr>
+                </a:solidFill>
+                <a:latin typeface="Script MT Bold" panose="03040602040607080904" pitchFamily="66" charset="0"/>
+              </a:rPr>
+              <a:t>Vragen</a:t>
+            </a:r>
           </a:p>
         </p:txBody>
       </p:sp>
@@ -4738,6 +4744,66 @@
           </a:p>
         </p:txBody>
       </p:sp>
+      <p:pic>
+        <p:nvPicPr>
+          <p:cNvPr id="4" name="Afbeelding 3"/>
+          <p:cNvPicPr>
+            <a:picLocks noChangeAspect="1"/>
+          </p:cNvPicPr>
+          <p:nvPr/>
+        </p:nvPicPr>
+        <p:blipFill>
+          <a:blip r:embed="rId2" cstate="print">
+            <a:extLst>
+              <a:ext uri="{28A0092B-C50C-407E-A947-70E740481C1C}">
+                <a14:useLocalDpi xmlns:a14="http://schemas.microsoft.com/office/drawing/2010/main" val="0"/>
+              </a:ext>
+            </a:extLst>
+          </a:blip>
+          <a:stretch>
+            <a:fillRect/>
+          </a:stretch>
+        </p:blipFill>
+        <p:spPr>
+          <a:xfrm>
+            <a:off x="5796136" y="3695555"/>
+            <a:ext cx="3096344" cy="3096344"/>
+          </a:xfrm>
+          <a:prstGeom prst="rect">
+            <a:avLst/>
+          </a:prstGeom>
+        </p:spPr>
+      </p:pic>
+      <p:pic>
+        <p:nvPicPr>
+          <p:cNvPr id="5" name="Afbeelding 4"/>
+          <p:cNvPicPr>
+            <a:picLocks noChangeAspect="1"/>
+          </p:cNvPicPr>
+          <p:nvPr/>
+        </p:nvPicPr>
+        <p:blipFill>
+          <a:blip r:embed="rId3">
+            <a:extLst>
+              <a:ext uri="{28A0092B-C50C-407E-A947-70E740481C1C}">
+                <a14:useLocalDpi xmlns:a14="http://schemas.microsoft.com/office/drawing/2010/main" val="0"/>
+              </a:ext>
+            </a:extLst>
+          </a:blip>
+          <a:stretch>
+            <a:fillRect/>
+          </a:stretch>
+        </p:blipFill>
+        <p:spPr>
+          <a:xfrm>
+            <a:off x="2771800" y="1628801"/>
+            <a:ext cx="2976330" cy="2232248"/>
+          </a:xfrm>
+          <a:prstGeom prst="rect">
+            <a:avLst/>
+          </a:prstGeom>
+        </p:spPr>
+      </p:pic>
     </p:spTree>
     <p:extLst>
       <p:ext uri="{BB962C8B-B14F-4D97-AF65-F5344CB8AC3E}">
@@ -4978,6 +5044,171 @@
 </file>
 
 <file path=ppt/slides/slide8.xml><?xml version="1.0" encoding="utf-8"?>
+<p:sld xmlns:a="http://schemas.openxmlformats.org/drawingml/2006/main" xmlns:r="http://schemas.openxmlformats.org/officeDocument/2006/relationships" xmlns:p="http://schemas.openxmlformats.org/presentationml/2006/main">
+  <p:cSld>
+    <p:spTree>
+      <p:nvGrpSpPr>
+        <p:cNvPr id="1" name=""/>
+        <p:cNvGrpSpPr/>
+        <p:nvPr/>
+      </p:nvGrpSpPr>
+      <p:grpSpPr>
+        <a:xfrm>
+          <a:off x="0" y="0"/>
+          <a:ext cx="0" cy="0"/>
+          <a:chOff x="0" y="0"/>
+          <a:chExt cx="0" cy="0"/>
+        </a:xfrm>
+      </p:grpSpPr>
+      <p:sp>
+        <p:nvSpPr>
+          <p:cNvPr id="2" name="Titel 1"/>
+          <p:cNvSpPr>
+            <a:spLocks noGrp="1"/>
+          </p:cNvSpPr>
+          <p:nvPr>
+            <p:ph type="title"/>
+          </p:nvPr>
+        </p:nvSpPr>
+        <p:spPr/>
+        <p:txBody>
+          <a:bodyPr>
+            <a:normAutofit/>
+          </a:bodyPr>
+          <a:lstStyle/>
+          <a:p>
+            <a:r>
+              <a:rPr lang="nl-NL" sz="6600" i="1" dirty="0" smtClean="0">
+                <a:solidFill>
+                  <a:schemeClr val="tx2">
+                    <a:lumMod val="20000"/>
+                    <a:lumOff val="80000"/>
+                  </a:schemeClr>
+                </a:solidFill>
+                <a:latin typeface="Old English Text MT" panose="03040902040508030806" pitchFamily="66" charset="0"/>
+              </a:rPr>
+              <a:t>Planning</a:t>
+            </a:r>
+            <a:endParaRPr lang="nl-NL" sz="6600" i="1" dirty="0">
+              <a:solidFill>
+                <a:schemeClr val="tx2">
+                  <a:lumMod val="20000"/>
+                  <a:lumOff val="80000"/>
+                </a:schemeClr>
+              </a:solidFill>
+              <a:latin typeface="Old English Text MT" panose="03040902040508030806" pitchFamily="66" charset="0"/>
+            </a:endParaRPr>
+          </a:p>
+        </p:txBody>
+      </p:sp>
+      <p:sp>
+        <p:nvSpPr>
+          <p:cNvPr id="3" name="Tijdelijke aanduiding voor inhoud 2"/>
+          <p:cNvSpPr>
+            <a:spLocks noGrp="1"/>
+          </p:cNvSpPr>
+          <p:nvPr>
+            <p:ph idx="1"/>
+          </p:nvPr>
+        </p:nvSpPr>
+        <p:spPr/>
+        <p:txBody>
+          <a:bodyPr>
+            <a:normAutofit/>
+          </a:bodyPr>
+          <a:lstStyle/>
+          <a:p>
+            <a:r>
+              <a:rPr lang="nl-NL" sz="3000" dirty="0" err="1" smtClean="0">
+                <a:solidFill>
+                  <a:schemeClr val="tx2">
+                    <a:lumMod val="20000"/>
+                    <a:lumOff val="80000"/>
+                  </a:schemeClr>
+                </a:solidFill>
+                <a:latin typeface="Script MT Bold" panose="03040602040607080904" pitchFamily="66" charset="0"/>
+              </a:rPr>
+              <a:t>Trello</a:t>
+            </a:r>
+            <a:endParaRPr lang="nl-NL" sz="3000" dirty="0" smtClean="0">
+              <a:solidFill>
+                <a:schemeClr val="tx2">
+                  <a:lumMod val="20000"/>
+                  <a:lumOff val="80000"/>
+                </a:schemeClr>
+              </a:solidFill>
+              <a:latin typeface="Script MT Bold" panose="03040602040607080904" pitchFamily="66" charset="0"/>
+            </a:endParaRPr>
+          </a:p>
+          <a:p>
+            <a:r>
+              <a:rPr lang="nl-NL" sz="3000" dirty="0" smtClean="0">
+                <a:solidFill>
+                  <a:schemeClr val="tx2">
+                    <a:lumMod val="20000"/>
+                    <a:lumOff val="80000"/>
+                  </a:schemeClr>
+                </a:solidFill>
+                <a:latin typeface="Script MT Bold" panose="03040602040607080904" pitchFamily="66" charset="0"/>
+              </a:rPr>
+              <a:t>Scrum</a:t>
+            </a:r>
+            <a:endParaRPr lang="nl-NL" sz="3000" dirty="0">
+              <a:solidFill>
+                <a:schemeClr val="tx2">
+                  <a:lumMod val="20000"/>
+                  <a:lumOff val="80000"/>
+                </a:schemeClr>
+              </a:solidFill>
+              <a:latin typeface="Script MT Bold" panose="03040602040607080904" pitchFamily="66" charset="0"/>
+            </a:endParaRPr>
+          </a:p>
+        </p:txBody>
+      </p:sp>
+      <p:pic>
+        <p:nvPicPr>
+          <p:cNvPr id="4" name="Afbeelding 3"/>
+          <p:cNvPicPr>
+            <a:picLocks noChangeAspect="1"/>
+          </p:cNvPicPr>
+          <p:nvPr/>
+        </p:nvPicPr>
+        <p:blipFill>
+          <a:blip r:embed="rId2">
+            <a:extLst>
+              <a:ext uri="{28A0092B-C50C-407E-A947-70E740481C1C}">
+                <a14:useLocalDpi xmlns:a14="http://schemas.microsoft.com/office/drawing/2010/main" val="0"/>
+              </a:ext>
+            </a:extLst>
+          </a:blip>
+          <a:stretch>
+            <a:fillRect/>
+          </a:stretch>
+        </p:blipFill>
+        <p:spPr>
+          <a:xfrm>
+            <a:off x="1403648" y="2747884"/>
+            <a:ext cx="7596044" cy="3860497"/>
+          </a:xfrm>
+          <a:prstGeom prst="rect">
+            <a:avLst/>
+          </a:prstGeom>
+        </p:spPr>
+      </p:pic>
+    </p:spTree>
+    <p:extLst>
+      <p:ext uri="{BB962C8B-B14F-4D97-AF65-F5344CB8AC3E}">
+        <p14:creationId xmlns:p14="http://schemas.microsoft.com/office/powerpoint/2010/main" val="3042674232"/>
+      </p:ext>
+    </p:extLst>
+  </p:cSld>
+  <p:clrMapOvr>
+    <a:masterClrMapping/>
+  </p:clrMapOvr>
+</p:sld>
+</file>
+
+<file path=ppt/slides/slide9.xml><?xml version="1.0" encoding="utf-8"?>
 <p:sld xmlns:a="http://schemas.openxmlformats.org/drawingml/2006/main" xmlns:r="http://schemas.openxmlformats.org/officeDocument/2006/relationships" xmlns:p="http://schemas.openxmlformats.org/presentationml/2006/main">
   <p:cSld>
     <p:spTree>
